--- a/scenario1/recording/T101389-Scenario1-v20210921.pptx
+++ b/scenario1/recording/T101389-Scenario1-v20210921.pptx
@@ -5,27 +5,26 @@
     <p:sldMasterId id="2147483648" r:id="rId1"/>
   </p:sldMasterIdLst>
   <p:notesMasterIdLst>
-    <p:notesMasterId r:id="rId20"/>
+    <p:notesMasterId r:id="rId19"/>
   </p:notesMasterIdLst>
   <p:sldIdLst>
     <p:sldId id="256" r:id="rId2"/>
     <p:sldId id="257" r:id="rId3"/>
-    <p:sldId id="258" r:id="rId4"/>
-    <p:sldId id="259" r:id="rId5"/>
-    <p:sldId id="260" r:id="rId6"/>
-    <p:sldId id="261" r:id="rId7"/>
-    <p:sldId id="271" r:id="rId8"/>
-    <p:sldId id="272" r:id="rId9"/>
-    <p:sldId id="273" r:id="rId10"/>
-    <p:sldId id="274" r:id="rId11"/>
-    <p:sldId id="268" r:id="rId12"/>
-    <p:sldId id="269" r:id="rId13"/>
-    <p:sldId id="266" r:id="rId14"/>
-    <p:sldId id="270" r:id="rId15"/>
-    <p:sldId id="275" r:id="rId16"/>
-    <p:sldId id="276" r:id="rId17"/>
-    <p:sldId id="277" r:id="rId18"/>
-    <p:sldId id="278" r:id="rId19"/>
+    <p:sldId id="259" r:id="rId4"/>
+    <p:sldId id="260" r:id="rId5"/>
+    <p:sldId id="261" r:id="rId6"/>
+    <p:sldId id="271" r:id="rId7"/>
+    <p:sldId id="272" r:id="rId8"/>
+    <p:sldId id="273" r:id="rId9"/>
+    <p:sldId id="274" r:id="rId10"/>
+    <p:sldId id="268" r:id="rId11"/>
+    <p:sldId id="269" r:id="rId12"/>
+    <p:sldId id="266" r:id="rId13"/>
+    <p:sldId id="270" r:id="rId14"/>
+    <p:sldId id="275" r:id="rId15"/>
+    <p:sldId id="276" r:id="rId16"/>
+    <p:sldId id="277" r:id="rId17"/>
+    <p:sldId id="278" r:id="rId18"/>
   </p:sldIdLst>
   <p:sldSz cx="12192000" cy="6858000"/>
   <p:notesSz cx="6858000" cy="9144000"/>
@@ -546,7 +545,7 @@
           <a:p>
             <a:fld id="{7FE50167-558C-4D4E-A218-0F44CB45BE81}" type="slidenum">
               <a:rPr lang="en-US" smtClean="0"/>
-              <a:t>6</a:t>
+              <a:t>5</a:t>
             </a:fld>
             <a:endParaRPr lang="en-US"/>
           </a:p>
@@ -630,7 +629,7 @@
           <a:p>
             <a:fld id="{7FE50167-558C-4D4E-A218-0F44CB45BE81}" type="slidenum">
               <a:rPr lang="en-US" smtClean="0"/>
-              <a:t>7</a:t>
+              <a:t>6</a:t>
             </a:fld>
             <a:endParaRPr lang="en-US"/>
           </a:p>
@@ -714,7 +713,7 @@
           <a:p>
             <a:fld id="{7FE50167-558C-4D4E-A218-0F44CB45BE81}" type="slidenum">
               <a:rPr lang="en-US" smtClean="0"/>
-              <a:t>8</a:t>
+              <a:t>7</a:t>
             </a:fld>
             <a:endParaRPr lang="en-US"/>
           </a:p>
@@ -798,7 +797,7 @@
           <a:p>
             <a:fld id="{7FE50167-558C-4D4E-A218-0F44CB45BE81}" type="slidenum">
               <a:rPr lang="en-US" smtClean="0"/>
-              <a:t>9</a:t>
+              <a:t>8</a:t>
             </a:fld>
             <a:endParaRPr lang="en-US"/>
           </a:p>
@@ -882,7 +881,7 @@
           <a:p>
             <a:fld id="{7FE50167-558C-4D4E-A218-0F44CB45BE81}" type="slidenum">
               <a:rPr lang="en-US" smtClean="0"/>
-              <a:t>10</a:t>
+              <a:t>9</a:t>
             </a:fld>
             <a:endParaRPr lang="en-US"/>
           </a:p>
@@ -4433,60 +4432,12 @@
           <a:chExt cx="0" cy="0"/>
         </a:xfrm>
       </p:grpSpPr>
-      <p:sp>
-        <p:nvSpPr>
-          <p:cNvPr id="6" name="TextBox 5">
-            <a:extLst>
-              <a:ext uri="{FF2B5EF4-FFF2-40B4-BE49-F238E27FC236}">
-                <a16:creationId xmlns:a16="http://schemas.microsoft.com/office/drawing/2014/main" id="{EBB52298-5DC8-495B-A05C-C8E6A6AE32DD}"/>
-              </a:ext>
-            </a:extLst>
-          </p:cNvPr>
-          <p:cNvSpPr txBox="1"/>
-          <p:nvPr/>
-        </p:nvSpPr>
-        <p:spPr>
-          <a:xfrm>
-            <a:off x="0" y="0"/>
-            <a:ext cx="12192000" cy="307777"/>
-          </a:xfrm>
-          <a:prstGeom prst="rect">
-            <a:avLst/>
-          </a:prstGeom>
-          <a:solidFill>
-            <a:schemeClr val="tx1"/>
-          </a:solidFill>
-        </p:spPr>
-        <p:txBody>
-          <a:bodyPr wrap="square">
-            <a:spAutoFit/>
-          </a:bodyPr>
-          <a:lstStyle/>
-          <a:p>
-            <a:r>
-              <a:rPr lang="en-US" sz="1400" b="1" i="0" dirty="0">
-                <a:solidFill>
-                  <a:schemeClr val="bg1"/>
-                </a:solidFill>
-                <a:effectLst/>
-                <a:latin typeface="-apple-system"/>
-              </a:rPr>
-              <a:t>Custom-Tag Dataset</a:t>
-            </a:r>
-            <a:endParaRPr lang="en-US" sz="1400" dirty="0">
-              <a:solidFill>
-                <a:schemeClr val="bg1"/>
-              </a:solidFill>
-            </a:endParaRPr>
-          </a:p>
-        </p:txBody>
-      </p:sp>
       <p:pic>
         <p:nvPicPr>
-          <p:cNvPr id="4" name="Picture 3">
-            <a:extLst>
-              <a:ext uri="{FF2B5EF4-FFF2-40B4-BE49-F238E27FC236}">
-                <a16:creationId xmlns:a16="http://schemas.microsoft.com/office/drawing/2014/main" id="{7C3ED1B3-18A3-4E78-B36D-A8F376340E08}"/>
+          <p:cNvPr id="8" name="Picture 7">
+            <a:extLst>
+              <a:ext uri="{FF2B5EF4-FFF2-40B4-BE49-F238E27FC236}">
+                <a16:creationId xmlns:a16="http://schemas.microsoft.com/office/drawing/2014/main" id="{EB9EBD7A-8DF6-43F9-9EE5-388BB05377B7}"/>
               </a:ext>
             </a:extLst>
           </p:cNvPr>
@@ -4496,15 +4447,15 @@
           <p:nvPr/>
         </p:nvPicPr>
         <p:blipFill>
-          <a:blip r:embed="rId3"/>
+          <a:blip r:embed="rId2"/>
           <a:stretch>
             <a:fillRect/>
           </a:stretch>
         </p:blipFill>
         <p:spPr>
           <a:xfrm>
-            <a:off x="0" y="703504"/>
-            <a:ext cx="12192000" cy="4954346"/>
+            <a:off x="0" y="730361"/>
+            <a:ext cx="12192000" cy="5397277"/>
           </a:xfrm>
           <a:prstGeom prst="rect">
             <a:avLst/>
@@ -4513,10 +4464,10 @@
       </p:pic>
       <p:sp>
         <p:nvSpPr>
-          <p:cNvPr id="8" name="Rectangle 7">
-            <a:extLst>
-              <a:ext uri="{FF2B5EF4-FFF2-40B4-BE49-F238E27FC236}">
-                <a16:creationId xmlns:a16="http://schemas.microsoft.com/office/drawing/2014/main" id="{E06A6F7E-778E-4838-8AE8-A969B2BA2E81}"/>
+          <p:cNvPr id="7" name="Arrow: Right 6">
+            <a:extLst>
+              <a:ext uri="{FF2B5EF4-FFF2-40B4-BE49-F238E27FC236}">
+                <a16:creationId xmlns:a16="http://schemas.microsoft.com/office/drawing/2014/main" id="{0F7A06A6-F10B-4F98-BD01-89872AFB3F74}"/>
               </a:ext>
             </a:extLst>
           </p:cNvPr>
@@ -4524,18 +4475,18 @@
           <p:nvPr/>
         </p:nvSpPr>
         <p:spPr>
-          <a:xfrm>
-            <a:off x="3162300" y="1533526"/>
-            <a:ext cx="409575" cy="3848100"/>
-          </a:xfrm>
-          <a:prstGeom prst="rect">
+          <a:xfrm rot="10800000">
+            <a:off x="7003125" y="2193348"/>
+            <a:ext cx="374073" cy="290946"/>
+          </a:xfrm>
+          <a:prstGeom prst="rightArrow">
             <a:avLst/>
           </a:prstGeom>
-          <a:noFill/>
-          <a:ln w="38100">
-            <a:solidFill>
-              <a:srgbClr val="FF0000"/>
-            </a:solidFill>
+          <a:solidFill>
+            <a:srgbClr val="FF0000"/>
+          </a:solidFill>
+          <a:ln>
+            <a:noFill/>
           </a:ln>
         </p:spPr>
         <p:style>
@@ -4565,60 +4516,56 @@
       </p:sp>
       <p:sp>
         <p:nvSpPr>
-          <p:cNvPr id="9" name="Arrow: Right 8">
-            <a:extLst>
-              <a:ext uri="{FF2B5EF4-FFF2-40B4-BE49-F238E27FC236}">
-                <a16:creationId xmlns:a16="http://schemas.microsoft.com/office/drawing/2014/main" id="{796EF17F-3774-430C-8550-A30A0E6CE147}"/>
-              </a:ext>
-            </a:extLst>
-          </p:cNvPr>
-          <p:cNvSpPr/>
+          <p:cNvPr id="9" name="TextBox 8">
+            <a:extLst>
+              <a:ext uri="{FF2B5EF4-FFF2-40B4-BE49-F238E27FC236}">
+                <a16:creationId xmlns:a16="http://schemas.microsoft.com/office/drawing/2014/main" id="{4D806B75-5BA0-4E83-91FD-AED855EEC0FB}"/>
+              </a:ext>
+            </a:extLst>
+          </p:cNvPr>
+          <p:cNvSpPr txBox="1"/>
           <p:nvPr/>
         </p:nvSpPr>
         <p:spPr>
-          <a:xfrm rot="5400000">
-            <a:off x="9766148" y="745068"/>
-            <a:ext cx="374073" cy="290946"/>
-          </a:xfrm>
-          <a:prstGeom prst="rightArrow">
+          <a:xfrm>
+            <a:off x="0" y="0"/>
+            <a:ext cx="12192000" cy="307777"/>
+          </a:xfrm>
+          <a:prstGeom prst="rect">
             <a:avLst/>
           </a:prstGeom>
           <a:solidFill>
-            <a:srgbClr val="FF0000"/>
+            <a:schemeClr val="tx1"/>
           </a:solidFill>
-          <a:ln>
-            <a:noFill/>
-          </a:ln>
-        </p:spPr>
-        <p:style>
-          <a:lnRef idx="2">
-            <a:schemeClr val="accent1">
-              <a:shade val="50000"/>
-            </a:schemeClr>
-          </a:lnRef>
-          <a:fillRef idx="1">
-            <a:schemeClr val="accent1"/>
-          </a:fillRef>
-          <a:effectRef idx="0">
-            <a:schemeClr val="accent1"/>
-          </a:effectRef>
-          <a:fontRef idx="minor">
-            <a:schemeClr val="lt1"/>
-          </a:fontRef>
-        </p:style>
-        <p:txBody>
-          <a:bodyPr rtlCol="0" anchor="ctr"/>
-          <a:lstStyle/>
-          <a:p>
-            <a:pPr algn="ctr"/>
-            <a:endParaRPr lang="en-US"/>
+        </p:spPr>
+        <p:txBody>
+          <a:bodyPr wrap="square">
+            <a:spAutoFit/>
+          </a:bodyPr>
+          <a:lstStyle/>
+          <a:p>
+            <a:r>
+              <a:rPr lang="en-US" sz="1400" b="1" i="0" dirty="0">
+                <a:solidFill>
+                  <a:schemeClr val="bg1"/>
+                </a:solidFill>
+                <a:effectLst/>
+                <a:latin typeface="-apple-system"/>
+              </a:rPr>
+              <a:t>Custom-Tag Dataset</a:t>
+            </a:r>
+            <a:endParaRPr lang="en-US" sz="1400" dirty="0">
+              <a:solidFill>
+                <a:schemeClr val="bg1"/>
+              </a:solidFill>
+            </a:endParaRPr>
           </a:p>
         </p:txBody>
       </p:sp>
     </p:spTree>
     <p:extLst>
       <p:ext uri="{BB962C8B-B14F-4D97-AF65-F5344CB8AC3E}">
-        <p14:creationId xmlns:p14="http://schemas.microsoft.com/office/powerpoint/2010/main" val="1102119836"/>
+        <p14:creationId xmlns:p14="http://schemas.microsoft.com/office/powerpoint/2010/main" val="1755812507"/>
       </p:ext>
     </p:extLst>
   </p:cSld>
@@ -4647,10 +4594,10 @@
       </p:grpSpPr>
       <p:pic>
         <p:nvPicPr>
-          <p:cNvPr id="8" name="Picture 7">
-            <a:extLst>
-              <a:ext uri="{FF2B5EF4-FFF2-40B4-BE49-F238E27FC236}">
-                <a16:creationId xmlns:a16="http://schemas.microsoft.com/office/drawing/2014/main" id="{EB9EBD7A-8DF6-43F9-9EE5-388BB05377B7}"/>
+          <p:cNvPr id="4" name="Picture 3">
+            <a:extLst>
+              <a:ext uri="{FF2B5EF4-FFF2-40B4-BE49-F238E27FC236}">
+                <a16:creationId xmlns:a16="http://schemas.microsoft.com/office/drawing/2014/main" id="{C6B99636-5E8B-4774-92DB-38DB10FEFFF3}"/>
               </a:ext>
             </a:extLst>
           </p:cNvPr>
@@ -4667,8 +4614,8 @@
         </p:blipFill>
         <p:spPr>
           <a:xfrm>
-            <a:off x="0" y="730361"/>
-            <a:ext cx="12192000" cy="5397277"/>
+            <a:off x="0" y="837028"/>
+            <a:ext cx="12192000" cy="5183943"/>
           </a:xfrm>
           <a:prstGeom prst="rect">
             <a:avLst/>
@@ -4677,10 +4624,10 @@
       </p:pic>
       <p:sp>
         <p:nvSpPr>
-          <p:cNvPr id="7" name="Arrow: Right 6">
-            <a:extLst>
-              <a:ext uri="{FF2B5EF4-FFF2-40B4-BE49-F238E27FC236}">
-                <a16:creationId xmlns:a16="http://schemas.microsoft.com/office/drawing/2014/main" id="{0F7A06A6-F10B-4F98-BD01-89872AFB3F74}"/>
+          <p:cNvPr id="8" name="Rectangle 7">
+            <a:extLst>
+              <a:ext uri="{FF2B5EF4-FFF2-40B4-BE49-F238E27FC236}">
+                <a16:creationId xmlns:a16="http://schemas.microsoft.com/office/drawing/2014/main" id="{8B9646D7-2083-491E-8ADB-6E4820DC7751}"/>
               </a:ext>
             </a:extLst>
           </p:cNvPr>
@@ -4688,18 +4635,18 @@
           <p:nvPr/>
         </p:nvSpPr>
         <p:spPr>
-          <a:xfrm rot="10800000">
-            <a:off x="7003125" y="2193348"/>
-            <a:ext cx="374073" cy="290946"/>
-          </a:xfrm>
-          <a:prstGeom prst="rightArrow">
+          <a:xfrm>
+            <a:off x="9563447" y="1793297"/>
+            <a:ext cx="942627" cy="3750253"/>
+          </a:xfrm>
+          <a:prstGeom prst="rect">
             <a:avLst/>
           </a:prstGeom>
-          <a:solidFill>
-            <a:srgbClr val="FF0000"/>
-          </a:solidFill>
-          <a:ln>
-            <a:noFill/>
+          <a:noFill/>
+          <a:ln w="38100">
+            <a:solidFill>
+              <a:srgbClr val="FF0000"/>
+            </a:solidFill>
           </a:ln>
         </p:spPr>
         <p:style>
@@ -4729,10 +4676,10 @@
       </p:sp>
       <p:sp>
         <p:nvSpPr>
-          <p:cNvPr id="9" name="TextBox 8">
-            <a:extLst>
-              <a:ext uri="{FF2B5EF4-FFF2-40B4-BE49-F238E27FC236}">
-                <a16:creationId xmlns:a16="http://schemas.microsoft.com/office/drawing/2014/main" id="{4D806B75-5BA0-4E83-91FD-AED855EEC0FB}"/>
+          <p:cNvPr id="7" name="TextBox 6">
+            <a:extLst>
+              <a:ext uri="{FF2B5EF4-FFF2-40B4-BE49-F238E27FC236}">
+                <a16:creationId xmlns:a16="http://schemas.microsoft.com/office/drawing/2014/main" id="{7ACAB6DB-CD34-41F4-A18D-B6D8F4D12C68}"/>
               </a:ext>
             </a:extLst>
           </p:cNvPr>
@@ -4765,7 +4712,7 @@
                 <a:effectLst/>
                 <a:latin typeface="-apple-system"/>
               </a:rPr>
-              <a:t>Custom-Tag Dataset</a:t>
+              <a:t>Custom-Tag Dataset with T101389-s1</a:t>
             </a:r>
             <a:endParaRPr lang="en-US" sz="1400" dirty="0">
               <a:solidFill>
@@ -4778,7 +4725,7 @@
     </p:spTree>
     <p:extLst>
       <p:ext uri="{BB962C8B-B14F-4D97-AF65-F5344CB8AC3E}">
-        <p14:creationId xmlns:p14="http://schemas.microsoft.com/office/powerpoint/2010/main" val="1755812507"/>
+        <p14:creationId xmlns:p14="http://schemas.microsoft.com/office/powerpoint/2010/main" val="4032223569"/>
       </p:ext>
     </p:extLst>
   </p:cSld>
@@ -4810,7 +4757,7 @@
           <p:cNvPr id="4" name="Picture 3">
             <a:extLst>
               <a:ext uri="{FF2B5EF4-FFF2-40B4-BE49-F238E27FC236}">
-                <a16:creationId xmlns:a16="http://schemas.microsoft.com/office/drawing/2014/main" id="{C6B99636-5E8B-4774-92DB-38DB10FEFFF3}"/>
+                <a16:creationId xmlns:a16="http://schemas.microsoft.com/office/drawing/2014/main" id="{EEAD550A-F957-4518-BFDE-5B8DAD68AF45}"/>
               </a:ext>
             </a:extLst>
           </p:cNvPr>
@@ -4827,8 +4774,8 @@
         </p:blipFill>
         <p:spPr>
           <a:xfrm>
-            <a:off x="0" y="837028"/>
-            <a:ext cx="12192000" cy="5183943"/>
+            <a:off x="0" y="766754"/>
+            <a:ext cx="12192000" cy="5324492"/>
           </a:xfrm>
           <a:prstGeom prst="rect">
             <a:avLst/>
@@ -4837,29 +4784,76 @@
       </p:pic>
       <p:sp>
         <p:nvSpPr>
-          <p:cNvPr id="8" name="Rectangle 7">
-            <a:extLst>
-              <a:ext uri="{FF2B5EF4-FFF2-40B4-BE49-F238E27FC236}">
-                <a16:creationId xmlns:a16="http://schemas.microsoft.com/office/drawing/2014/main" id="{8B9646D7-2083-491E-8ADB-6E4820DC7751}"/>
-              </a:ext>
-            </a:extLst>
-          </p:cNvPr>
-          <p:cNvSpPr/>
+          <p:cNvPr id="6" name="TextBox 5">
+            <a:extLst>
+              <a:ext uri="{FF2B5EF4-FFF2-40B4-BE49-F238E27FC236}">
+                <a16:creationId xmlns:a16="http://schemas.microsoft.com/office/drawing/2014/main" id="{EBB52298-5DC8-495B-A05C-C8E6A6AE32DD}"/>
+              </a:ext>
+            </a:extLst>
+          </p:cNvPr>
+          <p:cNvSpPr txBox="1"/>
           <p:nvPr/>
         </p:nvSpPr>
         <p:spPr>
           <a:xfrm>
-            <a:off x="9563447" y="1793297"/>
-            <a:ext cx="942627" cy="3750253"/>
+            <a:off x="0" y="-12367"/>
+            <a:ext cx="12192000" cy="307777"/>
           </a:xfrm>
           <a:prstGeom prst="rect">
             <a:avLst/>
           </a:prstGeom>
-          <a:noFill/>
-          <a:ln w="38100">
-            <a:solidFill>
-              <a:srgbClr val="FF0000"/>
-            </a:solidFill>
+          <a:solidFill>
+            <a:schemeClr val="tx1"/>
+          </a:solidFill>
+        </p:spPr>
+        <p:txBody>
+          <a:bodyPr wrap="square">
+            <a:spAutoFit/>
+          </a:bodyPr>
+          <a:lstStyle/>
+          <a:p>
+            <a:r>
+              <a:rPr lang="en-US" sz="1400" b="1" dirty="0">
+                <a:solidFill>
+                  <a:schemeClr val="bg1"/>
+                </a:solidFill>
+                <a:latin typeface="-apple-system"/>
+              </a:rPr>
+              <a:t>Find the Newly Tagged Dataset with Visual Query</a:t>
+            </a:r>
+            <a:endParaRPr lang="en-US" sz="1400" dirty="0">
+              <a:solidFill>
+                <a:schemeClr val="bg1"/>
+              </a:solidFill>
+            </a:endParaRPr>
+          </a:p>
+        </p:txBody>
+      </p:sp>
+      <p:sp>
+        <p:nvSpPr>
+          <p:cNvPr id="7" name="Arrow: Right 6">
+            <a:extLst>
+              <a:ext uri="{FF2B5EF4-FFF2-40B4-BE49-F238E27FC236}">
+                <a16:creationId xmlns:a16="http://schemas.microsoft.com/office/drawing/2014/main" id="{507FD1C4-B2B2-4689-B881-CFE28EA42A58}"/>
+              </a:ext>
+            </a:extLst>
+          </p:cNvPr>
+          <p:cNvSpPr/>
+          <p:nvPr/>
+        </p:nvSpPr>
+        <p:spPr>
+          <a:xfrm rot="10800000">
+            <a:off x="5313563" y="4290422"/>
+            <a:ext cx="374073" cy="290946"/>
+          </a:xfrm>
+          <a:prstGeom prst="rightArrow">
+            <a:avLst/>
+          </a:prstGeom>
+          <a:solidFill>
+            <a:srgbClr val="FF0000"/>
+          </a:solidFill>
+          <a:ln>
+            <a:noFill/>
           </a:ln>
         </p:spPr>
         <p:style>
@@ -4889,56 +4883,112 @@
       </p:sp>
       <p:sp>
         <p:nvSpPr>
-          <p:cNvPr id="7" name="TextBox 6">
-            <a:extLst>
-              <a:ext uri="{FF2B5EF4-FFF2-40B4-BE49-F238E27FC236}">
-                <a16:creationId xmlns:a16="http://schemas.microsoft.com/office/drawing/2014/main" id="{7ACAB6DB-CD34-41F4-A18D-B6D8F4D12C68}"/>
-              </a:ext>
-            </a:extLst>
-          </p:cNvPr>
-          <p:cNvSpPr txBox="1"/>
+          <p:cNvPr id="9" name="Arrow: Right 8">
+            <a:extLst>
+              <a:ext uri="{FF2B5EF4-FFF2-40B4-BE49-F238E27FC236}">
+                <a16:creationId xmlns:a16="http://schemas.microsoft.com/office/drawing/2014/main" id="{824B4B53-8681-4F6D-8AF1-3F649686EDF5}"/>
+              </a:ext>
+            </a:extLst>
+          </p:cNvPr>
+          <p:cNvSpPr/>
           <p:nvPr/>
         </p:nvSpPr>
         <p:spPr>
-          <a:xfrm>
-            <a:off x="0" y="0"/>
-            <a:ext cx="12192000" cy="307777"/>
-          </a:xfrm>
-          <a:prstGeom prst="rect">
+          <a:xfrm rot="10800000">
+            <a:off x="1008263" y="4905061"/>
+            <a:ext cx="374073" cy="290946"/>
+          </a:xfrm>
+          <a:prstGeom prst="rightArrow">
             <a:avLst/>
           </a:prstGeom>
           <a:solidFill>
-            <a:schemeClr val="tx1"/>
+            <a:srgbClr val="FF0000"/>
           </a:solidFill>
-        </p:spPr>
-        <p:txBody>
-          <a:bodyPr wrap="square">
-            <a:spAutoFit/>
-          </a:bodyPr>
-          <a:lstStyle/>
-          <a:p>
-            <a:r>
-              <a:rPr lang="en-US" sz="1400" b="1" i="0" dirty="0">
-                <a:solidFill>
-                  <a:schemeClr val="bg1"/>
-                </a:solidFill>
-                <a:effectLst/>
-                <a:latin typeface="-apple-system"/>
-              </a:rPr>
-              <a:t>Custom-Tag Dataset with T101389-s1</a:t>
-            </a:r>
-            <a:endParaRPr lang="en-US" sz="1400" dirty="0">
-              <a:solidFill>
-                <a:schemeClr val="bg1"/>
-              </a:solidFill>
-            </a:endParaRPr>
+          <a:ln>
+            <a:noFill/>
+          </a:ln>
+        </p:spPr>
+        <p:style>
+          <a:lnRef idx="2">
+            <a:schemeClr val="accent1">
+              <a:shade val="50000"/>
+            </a:schemeClr>
+          </a:lnRef>
+          <a:fillRef idx="1">
+            <a:schemeClr val="accent1"/>
+          </a:fillRef>
+          <a:effectRef idx="0">
+            <a:schemeClr val="accent1"/>
+          </a:effectRef>
+          <a:fontRef idx="minor">
+            <a:schemeClr val="lt1"/>
+          </a:fontRef>
+        </p:style>
+        <p:txBody>
+          <a:bodyPr rtlCol="0" anchor="ctr"/>
+          <a:lstStyle/>
+          <a:p>
+            <a:pPr algn="ctr"/>
+            <a:endParaRPr lang="en-US"/>
+          </a:p>
+        </p:txBody>
+      </p:sp>
+      <p:sp>
+        <p:nvSpPr>
+          <p:cNvPr id="10" name="Arrow: Right 9">
+            <a:extLst>
+              <a:ext uri="{FF2B5EF4-FFF2-40B4-BE49-F238E27FC236}">
+                <a16:creationId xmlns:a16="http://schemas.microsoft.com/office/drawing/2014/main" id="{B98608AE-6DEE-4104-984B-CF1FD8B6CF83}"/>
+              </a:ext>
+            </a:extLst>
+          </p:cNvPr>
+          <p:cNvSpPr/>
+          <p:nvPr/>
+        </p:nvSpPr>
+        <p:spPr>
+          <a:xfrm rot="10800000">
+            <a:off x="9352163" y="4290422"/>
+            <a:ext cx="374073" cy="290946"/>
+          </a:xfrm>
+          <a:prstGeom prst="rightArrow">
+            <a:avLst/>
+          </a:prstGeom>
+          <a:solidFill>
+            <a:srgbClr val="FF0000"/>
+          </a:solidFill>
+          <a:ln>
+            <a:noFill/>
+          </a:ln>
+        </p:spPr>
+        <p:style>
+          <a:lnRef idx="2">
+            <a:schemeClr val="accent1">
+              <a:shade val="50000"/>
+            </a:schemeClr>
+          </a:lnRef>
+          <a:fillRef idx="1">
+            <a:schemeClr val="accent1"/>
+          </a:fillRef>
+          <a:effectRef idx="0">
+            <a:schemeClr val="accent1"/>
+          </a:effectRef>
+          <a:fontRef idx="minor">
+            <a:schemeClr val="lt1"/>
+          </a:fontRef>
+        </p:style>
+        <p:txBody>
+          <a:bodyPr rtlCol="0" anchor="ctr"/>
+          <a:lstStyle/>
+          <a:p>
+            <a:pPr algn="ctr"/>
+            <a:endParaRPr lang="en-US"/>
           </a:p>
         </p:txBody>
       </p:sp>
     </p:spTree>
     <p:extLst>
       <p:ext uri="{BB962C8B-B14F-4D97-AF65-F5344CB8AC3E}">
-        <p14:creationId xmlns:p14="http://schemas.microsoft.com/office/powerpoint/2010/main" val="4032223569"/>
+        <p14:creationId xmlns:p14="http://schemas.microsoft.com/office/powerpoint/2010/main" val="3147731059"/>
       </p:ext>
     </p:extLst>
   </p:cSld>
@@ -4967,10 +5017,10 @@
       </p:grpSpPr>
       <p:pic>
         <p:nvPicPr>
-          <p:cNvPr id="4" name="Picture 3">
-            <a:extLst>
-              <a:ext uri="{FF2B5EF4-FFF2-40B4-BE49-F238E27FC236}">
-                <a16:creationId xmlns:a16="http://schemas.microsoft.com/office/drawing/2014/main" id="{EEAD550A-F957-4518-BFDE-5B8DAD68AF45}"/>
+          <p:cNvPr id="3" name="Picture 2">
+            <a:extLst>
+              <a:ext uri="{FF2B5EF4-FFF2-40B4-BE49-F238E27FC236}">
+                <a16:creationId xmlns:a16="http://schemas.microsoft.com/office/drawing/2014/main" id="{87D35F42-DD92-429B-85A6-8274510FD393}"/>
               </a:ext>
             </a:extLst>
           </p:cNvPr>
@@ -4987,8 +5037,8 @@
         </p:blipFill>
         <p:spPr>
           <a:xfrm>
-            <a:off x="0" y="766754"/>
-            <a:ext cx="12192000" cy="5324492"/>
+            <a:off x="0" y="1338534"/>
+            <a:ext cx="12192000" cy="4180932"/>
           </a:xfrm>
           <a:prstGeom prst="rect">
             <a:avLst/>
@@ -5032,7 +5082,7 @@
                 </a:solidFill>
                 <a:latin typeface="-apple-system"/>
               </a:rPr>
-              <a:t>Find the Newly Tagged Dataset with Visual Query</a:t>
+              <a:t>New Dataset (T101389-s1) Can be Found using a Single-query Search</a:t>
             </a:r>
             <a:endParaRPr lang="en-US" sz="1400" dirty="0">
               <a:solidFill>
@@ -5044,10 +5094,10 @@
       </p:sp>
       <p:sp>
         <p:nvSpPr>
-          <p:cNvPr id="7" name="Arrow: Right 6">
-            <a:extLst>
-              <a:ext uri="{FF2B5EF4-FFF2-40B4-BE49-F238E27FC236}">
-                <a16:creationId xmlns:a16="http://schemas.microsoft.com/office/drawing/2014/main" id="{507FD1C4-B2B2-4689-B881-CFE28EA42A58}"/>
+          <p:cNvPr id="8" name="Arrow: Right 7">
+            <a:extLst>
+              <a:ext uri="{FF2B5EF4-FFF2-40B4-BE49-F238E27FC236}">
+                <a16:creationId xmlns:a16="http://schemas.microsoft.com/office/drawing/2014/main" id="{D2CBD2C9-CB16-47D3-A408-699606D97716}"/>
               </a:ext>
             </a:extLst>
           </p:cNvPr>
@@ -5055,8 +5105,8 @@
           <p:nvPr/>
         </p:nvSpPr>
         <p:spPr>
-          <a:xfrm rot="10800000">
-            <a:off x="5313563" y="4290422"/>
+          <a:xfrm>
+            <a:off x="2920189" y="4687004"/>
             <a:ext cx="374073" cy="290946"/>
           </a:xfrm>
           <a:prstGeom prst="rightArrow">
@@ -5094,114 +5144,10 @@
           </a:p>
         </p:txBody>
       </p:sp>
-      <p:sp>
-        <p:nvSpPr>
-          <p:cNvPr id="9" name="Arrow: Right 8">
-            <a:extLst>
-              <a:ext uri="{FF2B5EF4-FFF2-40B4-BE49-F238E27FC236}">
-                <a16:creationId xmlns:a16="http://schemas.microsoft.com/office/drawing/2014/main" id="{824B4B53-8681-4F6D-8AF1-3F649686EDF5}"/>
-              </a:ext>
-            </a:extLst>
-          </p:cNvPr>
-          <p:cNvSpPr/>
-          <p:nvPr/>
-        </p:nvSpPr>
-        <p:spPr>
-          <a:xfrm rot="10800000">
-            <a:off x="1008263" y="4905061"/>
-            <a:ext cx="374073" cy="290946"/>
-          </a:xfrm>
-          <a:prstGeom prst="rightArrow">
-            <a:avLst/>
-          </a:prstGeom>
-          <a:solidFill>
-            <a:srgbClr val="FF0000"/>
-          </a:solidFill>
-          <a:ln>
-            <a:noFill/>
-          </a:ln>
-        </p:spPr>
-        <p:style>
-          <a:lnRef idx="2">
-            <a:schemeClr val="accent1">
-              <a:shade val="50000"/>
-            </a:schemeClr>
-          </a:lnRef>
-          <a:fillRef idx="1">
-            <a:schemeClr val="accent1"/>
-          </a:fillRef>
-          <a:effectRef idx="0">
-            <a:schemeClr val="accent1"/>
-          </a:effectRef>
-          <a:fontRef idx="minor">
-            <a:schemeClr val="lt1"/>
-          </a:fontRef>
-        </p:style>
-        <p:txBody>
-          <a:bodyPr rtlCol="0" anchor="ctr"/>
-          <a:lstStyle/>
-          <a:p>
-            <a:pPr algn="ctr"/>
-            <a:endParaRPr lang="en-US"/>
-          </a:p>
-        </p:txBody>
-      </p:sp>
-      <p:sp>
-        <p:nvSpPr>
-          <p:cNvPr id="10" name="Arrow: Right 9">
-            <a:extLst>
-              <a:ext uri="{FF2B5EF4-FFF2-40B4-BE49-F238E27FC236}">
-                <a16:creationId xmlns:a16="http://schemas.microsoft.com/office/drawing/2014/main" id="{B98608AE-6DEE-4104-984B-CF1FD8B6CF83}"/>
-              </a:ext>
-            </a:extLst>
-          </p:cNvPr>
-          <p:cNvSpPr/>
-          <p:nvPr/>
-        </p:nvSpPr>
-        <p:spPr>
-          <a:xfrm rot="10800000">
-            <a:off x="9352163" y="4290422"/>
-            <a:ext cx="374073" cy="290946"/>
-          </a:xfrm>
-          <a:prstGeom prst="rightArrow">
-            <a:avLst/>
-          </a:prstGeom>
-          <a:solidFill>
-            <a:srgbClr val="FF0000"/>
-          </a:solidFill>
-          <a:ln>
-            <a:noFill/>
-          </a:ln>
-        </p:spPr>
-        <p:style>
-          <a:lnRef idx="2">
-            <a:schemeClr val="accent1">
-              <a:shade val="50000"/>
-            </a:schemeClr>
-          </a:lnRef>
-          <a:fillRef idx="1">
-            <a:schemeClr val="accent1"/>
-          </a:fillRef>
-          <a:effectRef idx="0">
-            <a:schemeClr val="accent1"/>
-          </a:effectRef>
-          <a:fontRef idx="minor">
-            <a:schemeClr val="lt1"/>
-          </a:fontRef>
-        </p:style>
-        <p:txBody>
-          <a:bodyPr rtlCol="0" anchor="ctr"/>
-          <a:lstStyle/>
-          <a:p>
-            <a:pPr algn="ctr"/>
-            <a:endParaRPr lang="en-US"/>
-          </a:p>
-        </p:txBody>
-      </p:sp>
     </p:spTree>
     <p:extLst>
       <p:ext uri="{BB962C8B-B14F-4D97-AF65-F5344CB8AC3E}">
-        <p14:creationId xmlns:p14="http://schemas.microsoft.com/office/powerpoint/2010/main" val="3147731059"/>
+        <p14:creationId xmlns:p14="http://schemas.microsoft.com/office/powerpoint/2010/main" val="940409178"/>
       </p:ext>
     </p:extLst>
   </p:cSld>
@@ -5230,10 +5176,10 @@
       </p:grpSpPr>
       <p:pic>
         <p:nvPicPr>
-          <p:cNvPr id="3" name="Picture 2">
-            <a:extLst>
-              <a:ext uri="{FF2B5EF4-FFF2-40B4-BE49-F238E27FC236}">
-                <a16:creationId xmlns:a16="http://schemas.microsoft.com/office/drawing/2014/main" id="{87D35F42-DD92-429B-85A6-8274510FD393}"/>
+          <p:cNvPr id="5" name="Picture 4">
+            <a:extLst>
+              <a:ext uri="{FF2B5EF4-FFF2-40B4-BE49-F238E27FC236}">
+                <a16:creationId xmlns:a16="http://schemas.microsoft.com/office/drawing/2014/main" id="{42C2171D-13DC-424C-B785-42F6A39C5321}"/>
               </a:ext>
             </a:extLst>
           </p:cNvPr>
@@ -5250,8 +5196,8 @@
         </p:blipFill>
         <p:spPr>
           <a:xfrm>
-            <a:off x="0" y="1338534"/>
-            <a:ext cx="12192000" cy="4180932"/>
+            <a:off x="0" y="808726"/>
+            <a:ext cx="12192000" cy="5240547"/>
           </a:xfrm>
           <a:prstGeom prst="rect">
             <a:avLst/>
@@ -5263,7 +5209,7 @@
           <p:cNvPr id="6" name="TextBox 5">
             <a:extLst>
               <a:ext uri="{FF2B5EF4-FFF2-40B4-BE49-F238E27FC236}">
-                <a16:creationId xmlns:a16="http://schemas.microsoft.com/office/drawing/2014/main" id="{EBB52298-5DC8-495B-A05C-C8E6A6AE32DD}"/>
+                <a16:creationId xmlns:a16="http://schemas.microsoft.com/office/drawing/2014/main" id="{7A88B84A-7FB5-4C14-8855-A10017599D03}"/>
               </a:ext>
             </a:extLst>
           </p:cNvPr>
@@ -5295,7 +5241,7 @@
                 </a:solidFill>
                 <a:latin typeface="-apple-system"/>
               </a:rPr>
-              <a:t>New Dataset (T101389-s1) Can be Found using a Single-query Search</a:t>
+              <a:t>Export the New Dataset into a Manifest</a:t>
             </a:r>
             <a:endParaRPr lang="en-US" sz="1400" dirty="0">
               <a:solidFill>
@@ -5305,62 +5251,10 @@
           </a:p>
         </p:txBody>
       </p:sp>
-      <p:sp>
-        <p:nvSpPr>
-          <p:cNvPr id="8" name="Arrow: Right 7">
-            <a:extLst>
-              <a:ext uri="{FF2B5EF4-FFF2-40B4-BE49-F238E27FC236}">
-                <a16:creationId xmlns:a16="http://schemas.microsoft.com/office/drawing/2014/main" id="{D2CBD2C9-CB16-47D3-A408-699606D97716}"/>
-              </a:ext>
-            </a:extLst>
-          </p:cNvPr>
-          <p:cNvSpPr/>
-          <p:nvPr/>
-        </p:nvSpPr>
-        <p:spPr>
-          <a:xfrm>
-            <a:off x="2920189" y="4687004"/>
-            <a:ext cx="374073" cy="290946"/>
-          </a:xfrm>
-          <a:prstGeom prst="rightArrow">
-            <a:avLst/>
-          </a:prstGeom>
-          <a:solidFill>
-            <a:srgbClr val="FF0000"/>
-          </a:solidFill>
-          <a:ln>
-            <a:noFill/>
-          </a:ln>
-        </p:spPr>
-        <p:style>
-          <a:lnRef idx="2">
-            <a:schemeClr val="accent1">
-              <a:shade val="50000"/>
-            </a:schemeClr>
-          </a:lnRef>
-          <a:fillRef idx="1">
-            <a:schemeClr val="accent1"/>
-          </a:fillRef>
-          <a:effectRef idx="0">
-            <a:schemeClr val="accent1"/>
-          </a:effectRef>
-          <a:fontRef idx="minor">
-            <a:schemeClr val="lt1"/>
-          </a:fontRef>
-        </p:style>
-        <p:txBody>
-          <a:bodyPr rtlCol="0" anchor="ctr"/>
-          <a:lstStyle/>
-          <a:p>
-            <a:pPr algn="ctr"/>
-            <a:endParaRPr lang="en-US"/>
-          </a:p>
-        </p:txBody>
-      </p:sp>
     </p:spTree>
     <p:extLst>
       <p:ext uri="{BB962C8B-B14F-4D97-AF65-F5344CB8AC3E}">
-        <p14:creationId xmlns:p14="http://schemas.microsoft.com/office/powerpoint/2010/main" val="940409178"/>
+        <p14:creationId xmlns:p14="http://schemas.microsoft.com/office/powerpoint/2010/main" val="3723135412"/>
       </p:ext>
     </p:extLst>
   </p:cSld>
@@ -5387,12 +5281,59 @@
           <a:chExt cx="0" cy="0"/>
         </a:xfrm>
       </p:grpSpPr>
+      <p:sp>
+        <p:nvSpPr>
+          <p:cNvPr id="6" name="TextBox 5">
+            <a:extLst>
+              <a:ext uri="{FF2B5EF4-FFF2-40B4-BE49-F238E27FC236}">
+                <a16:creationId xmlns:a16="http://schemas.microsoft.com/office/drawing/2014/main" id="{7A88B84A-7FB5-4C14-8855-A10017599D03}"/>
+              </a:ext>
+            </a:extLst>
+          </p:cNvPr>
+          <p:cNvSpPr txBox="1"/>
+          <p:nvPr/>
+        </p:nvSpPr>
+        <p:spPr>
+          <a:xfrm>
+            <a:off x="0" y="-12367"/>
+            <a:ext cx="12192000" cy="307777"/>
+          </a:xfrm>
+          <a:prstGeom prst="rect">
+            <a:avLst/>
+          </a:prstGeom>
+          <a:solidFill>
+            <a:schemeClr val="tx1"/>
+          </a:solidFill>
+        </p:spPr>
+        <p:txBody>
+          <a:bodyPr wrap="square">
+            <a:spAutoFit/>
+          </a:bodyPr>
+          <a:lstStyle/>
+          <a:p>
+            <a:r>
+              <a:rPr lang="en-US" sz="1400" b="1" dirty="0">
+                <a:solidFill>
+                  <a:schemeClr val="bg1"/>
+                </a:solidFill>
+                <a:latin typeface="-apple-system"/>
+              </a:rPr>
+              <a:t>Export the New Dataset into a Manifest</a:t>
+            </a:r>
+            <a:endParaRPr lang="en-US" sz="1400" dirty="0">
+              <a:solidFill>
+                <a:schemeClr val="bg1"/>
+              </a:solidFill>
+            </a:endParaRPr>
+          </a:p>
+        </p:txBody>
+      </p:sp>
       <p:pic>
         <p:nvPicPr>
-          <p:cNvPr id="5" name="Picture 4">
-            <a:extLst>
-              <a:ext uri="{FF2B5EF4-FFF2-40B4-BE49-F238E27FC236}">
-                <a16:creationId xmlns:a16="http://schemas.microsoft.com/office/drawing/2014/main" id="{42C2171D-13DC-424C-B785-42F6A39C5321}"/>
+          <p:cNvPr id="3" name="Picture 2">
+            <a:extLst>
+              <a:ext uri="{FF2B5EF4-FFF2-40B4-BE49-F238E27FC236}">
+                <a16:creationId xmlns:a16="http://schemas.microsoft.com/office/drawing/2014/main" id="{1CA52EC5-1D41-4190-B3A5-28F973A9D489}"/>
               </a:ext>
             </a:extLst>
           </p:cNvPr>
@@ -5409,65 +5350,18 @@
         </p:blipFill>
         <p:spPr>
           <a:xfrm>
-            <a:off x="0" y="808726"/>
-            <a:ext cx="12192000" cy="5240547"/>
+            <a:off x="0" y="587928"/>
+            <a:ext cx="12192000" cy="5682143"/>
           </a:xfrm>
           <a:prstGeom prst="rect">
             <a:avLst/>
           </a:prstGeom>
         </p:spPr>
       </p:pic>
-      <p:sp>
-        <p:nvSpPr>
-          <p:cNvPr id="6" name="TextBox 5">
-            <a:extLst>
-              <a:ext uri="{FF2B5EF4-FFF2-40B4-BE49-F238E27FC236}">
-                <a16:creationId xmlns:a16="http://schemas.microsoft.com/office/drawing/2014/main" id="{7A88B84A-7FB5-4C14-8855-A10017599D03}"/>
-              </a:ext>
-            </a:extLst>
-          </p:cNvPr>
-          <p:cNvSpPr txBox="1"/>
-          <p:nvPr/>
-        </p:nvSpPr>
-        <p:spPr>
-          <a:xfrm>
-            <a:off x="0" y="-12367"/>
-            <a:ext cx="12192000" cy="307777"/>
-          </a:xfrm>
-          <a:prstGeom prst="rect">
-            <a:avLst/>
-          </a:prstGeom>
-          <a:solidFill>
-            <a:schemeClr val="tx1"/>
-          </a:solidFill>
-        </p:spPr>
-        <p:txBody>
-          <a:bodyPr wrap="square">
-            <a:spAutoFit/>
-          </a:bodyPr>
-          <a:lstStyle/>
-          <a:p>
-            <a:r>
-              <a:rPr lang="en-US" sz="1400" b="1" dirty="0">
-                <a:solidFill>
-                  <a:schemeClr val="bg1"/>
-                </a:solidFill>
-                <a:latin typeface="-apple-system"/>
-              </a:rPr>
-              <a:t>Export the New Dataset into a Manifest</a:t>
-            </a:r>
-            <a:endParaRPr lang="en-US" sz="1400" dirty="0">
-              <a:solidFill>
-                <a:schemeClr val="bg1"/>
-              </a:solidFill>
-            </a:endParaRPr>
-          </a:p>
-        </p:txBody>
-      </p:sp>
     </p:spTree>
     <p:extLst>
       <p:ext uri="{BB962C8B-B14F-4D97-AF65-F5344CB8AC3E}">
-        <p14:creationId xmlns:p14="http://schemas.microsoft.com/office/powerpoint/2010/main" val="3723135412"/>
+        <p14:creationId xmlns:p14="http://schemas.microsoft.com/office/powerpoint/2010/main" val="273626421"/>
       </p:ext>
     </p:extLst>
   </p:cSld>
@@ -5543,113 +5437,6 @@
       </p:sp>
       <p:pic>
         <p:nvPicPr>
-          <p:cNvPr id="3" name="Picture 2">
-            <a:extLst>
-              <a:ext uri="{FF2B5EF4-FFF2-40B4-BE49-F238E27FC236}">
-                <a16:creationId xmlns:a16="http://schemas.microsoft.com/office/drawing/2014/main" id="{1CA52EC5-1D41-4190-B3A5-28F973A9D489}"/>
-              </a:ext>
-            </a:extLst>
-          </p:cNvPr>
-          <p:cNvPicPr>
-            <a:picLocks noChangeAspect="1"/>
-          </p:cNvPicPr>
-          <p:nvPr/>
-        </p:nvPicPr>
-        <p:blipFill>
-          <a:blip r:embed="rId2"/>
-          <a:stretch>
-            <a:fillRect/>
-          </a:stretch>
-        </p:blipFill>
-        <p:spPr>
-          <a:xfrm>
-            <a:off x="0" y="587928"/>
-            <a:ext cx="12192000" cy="5682143"/>
-          </a:xfrm>
-          <a:prstGeom prst="rect">
-            <a:avLst/>
-          </a:prstGeom>
-        </p:spPr>
-      </p:pic>
-    </p:spTree>
-    <p:extLst>
-      <p:ext uri="{BB962C8B-B14F-4D97-AF65-F5344CB8AC3E}">
-        <p14:creationId xmlns:p14="http://schemas.microsoft.com/office/powerpoint/2010/main" val="273626421"/>
-      </p:ext>
-    </p:extLst>
-  </p:cSld>
-  <p:clrMapOvr>
-    <a:masterClrMapping/>
-  </p:clrMapOvr>
-</p:sld>
-</file>
-
-<file path=ppt/slides/slide17.xml><?xml version="1.0" encoding="utf-8"?>
-<p:sld xmlns:a="http://schemas.openxmlformats.org/drawingml/2006/main" xmlns:r="http://schemas.openxmlformats.org/officeDocument/2006/relationships" xmlns:p="http://schemas.openxmlformats.org/presentationml/2006/main">
-  <p:cSld>
-    <p:spTree>
-      <p:nvGrpSpPr>
-        <p:cNvPr id="1" name=""/>
-        <p:cNvGrpSpPr/>
-        <p:nvPr/>
-      </p:nvGrpSpPr>
-      <p:grpSpPr>
-        <a:xfrm>
-          <a:off x="0" y="0"/>
-          <a:ext cx="0" cy="0"/>
-          <a:chOff x="0" y="0"/>
-          <a:chExt cx="0" cy="0"/>
-        </a:xfrm>
-      </p:grpSpPr>
-      <p:sp>
-        <p:nvSpPr>
-          <p:cNvPr id="6" name="TextBox 5">
-            <a:extLst>
-              <a:ext uri="{FF2B5EF4-FFF2-40B4-BE49-F238E27FC236}">
-                <a16:creationId xmlns:a16="http://schemas.microsoft.com/office/drawing/2014/main" id="{7A88B84A-7FB5-4C14-8855-A10017599D03}"/>
-              </a:ext>
-            </a:extLst>
-          </p:cNvPr>
-          <p:cNvSpPr txBox="1"/>
-          <p:nvPr/>
-        </p:nvSpPr>
-        <p:spPr>
-          <a:xfrm>
-            <a:off x="0" y="-12367"/>
-            <a:ext cx="12192000" cy="307777"/>
-          </a:xfrm>
-          <a:prstGeom prst="rect">
-            <a:avLst/>
-          </a:prstGeom>
-          <a:solidFill>
-            <a:schemeClr val="tx1"/>
-          </a:solidFill>
-        </p:spPr>
-        <p:txBody>
-          <a:bodyPr wrap="square">
-            <a:spAutoFit/>
-          </a:bodyPr>
-          <a:lstStyle/>
-          <a:p>
-            <a:r>
-              <a:rPr lang="en-US" sz="1400" b="1" dirty="0">
-                <a:solidFill>
-                  <a:schemeClr val="bg1"/>
-                </a:solidFill>
-                <a:latin typeface="-apple-system"/>
-              </a:rPr>
-              <a:t>Export the New Dataset into a Manifest</a:t>
-            </a:r>
-            <a:endParaRPr lang="en-US" sz="1400" dirty="0">
-              <a:solidFill>
-                <a:schemeClr val="bg1"/>
-              </a:solidFill>
-            </a:endParaRPr>
-          </a:p>
-        </p:txBody>
-      </p:sp>
-      <p:pic>
-        <p:nvPicPr>
           <p:cNvPr id="4" name="Picture 3">
             <a:extLst>
               <a:ext uri="{FF2B5EF4-FFF2-40B4-BE49-F238E27FC236}">
@@ -5743,7 +5530,7 @@
 </p:sld>
 </file>
 
-<file path=ppt/slides/slide18.xml><?xml version="1.0" encoding="utf-8"?>
+<file path=ppt/slides/slide17.xml><?xml version="1.0" encoding="utf-8"?>
 <p:sld xmlns:a="http://schemas.openxmlformats.org/drawingml/2006/main" xmlns:r="http://schemas.openxmlformats.org/officeDocument/2006/relationships" xmlns:p="http://schemas.openxmlformats.org/presentationml/2006/main">
   <p:cSld>
     <p:spTree>
@@ -5905,7 +5692,7 @@
                 <a:effectLst/>
                 <a:latin typeface="-apple-system"/>
               </a:rPr>
-              <a:t>Upload Dataset to Cloud Object Storage Bucket</a:t>
+              <a:t>Upload Original Data to Cloud Object Storage Bucket</a:t>
             </a:r>
             <a:endParaRPr lang="en-US" sz="1400" dirty="0">
               <a:solidFill>
@@ -5917,10 +5704,10 @@
       </p:sp>
       <p:pic>
         <p:nvPicPr>
-          <p:cNvPr id="3" name="Picture 2">
-            <a:extLst>
-              <a:ext uri="{FF2B5EF4-FFF2-40B4-BE49-F238E27FC236}">
-                <a16:creationId xmlns:a16="http://schemas.microsoft.com/office/drawing/2014/main" id="{EF6A1382-80D3-4A28-8B11-07D2C8A23A9F}"/>
+          <p:cNvPr id="4" name="Picture 3">
+            <a:extLst>
+              <a:ext uri="{FF2B5EF4-FFF2-40B4-BE49-F238E27FC236}">
+                <a16:creationId xmlns:a16="http://schemas.microsoft.com/office/drawing/2014/main" id="{0EC14260-D72D-4863-ADC6-87D40891600A}"/>
               </a:ext>
             </a:extLst>
           </p:cNvPr>
@@ -5937,12 +5724,56 @@
         </p:blipFill>
         <p:spPr>
           <a:xfrm>
-            <a:off x="334045" y="870238"/>
-            <a:ext cx="4635888" cy="2881554"/>
+            <a:off x="6003537" y="870238"/>
+            <a:ext cx="4962923" cy="3045807"/>
           </a:xfrm>
           <a:prstGeom prst="rect">
             <a:avLst/>
           </a:prstGeom>
+          <a:ln>
+            <a:solidFill>
+              <a:schemeClr val="bg1">
+                <a:lumMod val="50000"/>
+              </a:schemeClr>
+            </a:solidFill>
+          </a:ln>
+        </p:spPr>
+      </p:pic>
+      <p:pic>
+        <p:nvPicPr>
+          <p:cNvPr id="6" name="Picture 5">
+            <a:extLst>
+              <a:ext uri="{FF2B5EF4-FFF2-40B4-BE49-F238E27FC236}">
+                <a16:creationId xmlns:a16="http://schemas.microsoft.com/office/drawing/2014/main" id="{0D3DA058-F5EC-421B-A17F-8D293E5AFFE9}"/>
+              </a:ext>
+            </a:extLst>
+          </p:cNvPr>
+          <p:cNvPicPr>
+            <a:picLocks noChangeAspect="1"/>
+          </p:cNvPicPr>
+          <p:nvPr/>
+        </p:nvPicPr>
+        <p:blipFill>
+          <a:blip r:embed="rId3"/>
+          <a:stretch>
+            <a:fillRect/>
+          </a:stretch>
+        </p:blipFill>
+        <p:spPr>
+          <a:xfrm>
+            <a:off x="480628" y="881719"/>
+            <a:ext cx="4881947" cy="2984818"/>
+          </a:xfrm>
+          <a:prstGeom prst="rect">
+            <a:avLst/>
+          </a:prstGeom>
+          <a:ln>
+            <a:solidFill>
+              <a:schemeClr val="bg1">
+                <a:lumMod val="50000"/>
+              </a:schemeClr>
+            </a:solidFill>
+          </a:ln>
         </p:spPr>
       </p:pic>
     </p:spTree>
@@ -5977,10 +5808,10 @@
       </p:grpSpPr>
       <p:sp>
         <p:nvSpPr>
-          <p:cNvPr id="6" name="TextBox 5">
-            <a:extLst>
-              <a:ext uri="{FF2B5EF4-FFF2-40B4-BE49-F238E27FC236}">
-                <a16:creationId xmlns:a16="http://schemas.microsoft.com/office/drawing/2014/main" id="{2C599F7C-66A7-4AF4-A29A-1C68A4539677}"/>
+          <p:cNvPr id="7" name="TextBox 6">
+            <a:extLst>
+              <a:ext uri="{FF2B5EF4-FFF2-40B4-BE49-F238E27FC236}">
+                <a16:creationId xmlns:a16="http://schemas.microsoft.com/office/drawing/2014/main" id="{DC0BA69E-AEE8-408C-8616-7AE5D70F540C}"/>
               </a:ext>
             </a:extLst>
           </p:cNvPr>
@@ -6013,7 +5844,7 @@
                 <a:effectLst/>
                 <a:latin typeface="-apple-system"/>
               </a:rPr>
-              <a:t>Upload Manifest to Cloud Object Storage Bucket</a:t>
+              <a:t>Search for Dataset using Query Builder</a:t>
             </a:r>
             <a:endParaRPr lang="en-US" sz="1400" dirty="0">
               <a:solidFill>
@@ -6025,10 +5856,10 @@
       </p:sp>
       <p:pic>
         <p:nvPicPr>
-          <p:cNvPr id="3" name="Picture 2">
-            <a:extLst>
-              <a:ext uri="{FF2B5EF4-FFF2-40B4-BE49-F238E27FC236}">
-                <a16:creationId xmlns:a16="http://schemas.microsoft.com/office/drawing/2014/main" id="{FE85169E-1342-4CF7-99F7-7EE9EA801BBE}"/>
+          <p:cNvPr id="4" name="Picture 3">
+            <a:extLst>
+              <a:ext uri="{FF2B5EF4-FFF2-40B4-BE49-F238E27FC236}">
+                <a16:creationId xmlns:a16="http://schemas.microsoft.com/office/drawing/2014/main" id="{B7F6BA0E-0E4A-43D1-8E2D-639CED4B6806}"/>
               </a:ext>
             </a:extLst>
           </p:cNvPr>
@@ -6045,18 +5876,70 @@
         </p:blipFill>
         <p:spPr>
           <a:xfrm>
-            <a:off x="499863" y="1382147"/>
-            <a:ext cx="4477490" cy="2046853"/>
+            <a:off x="1828799" y="670586"/>
+            <a:ext cx="8817128" cy="5811625"/>
           </a:xfrm>
           <a:prstGeom prst="rect">
             <a:avLst/>
           </a:prstGeom>
         </p:spPr>
       </p:pic>
+      <p:sp>
+        <p:nvSpPr>
+          <p:cNvPr id="8" name="Arrow: Right 7">
+            <a:extLst>
+              <a:ext uri="{FF2B5EF4-FFF2-40B4-BE49-F238E27FC236}">
+                <a16:creationId xmlns:a16="http://schemas.microsoft.com/office/drawing/2014/main" id="{6759C473-4FA3-4DA4-9C75-9CFFD560F9FF}"/>
+              </a:ext>
+            </a:extLst>
+          </p:cNvPr>
+          <p:cNvSpPr/>
+          <p:nvPr/>
+        </p:nvSpPr>
+        <p:spPr>
+          <a:xfrm>
+            <a:off x="1546073" y="2110320"/>
+            <a:ext cx="374073" cy="290946"/>
+          </a:xfrm>
+          <a:prstGeom prst="rightArrow">
+            <a:avLst/>
+          </a:prstGeom>
+          <a:solidFill>
+            <a:srgbClr val="FF0000"/>
+          </a:solidFill>
+          <a:ln>
+            <a:noFill/>
+          </a:ln>
+        </p:spPr>
+        <p:style>
+          <a:lnRef idx="2">
+            <a:schemeClr val="accent1">
+              <a:shade val="50000"/>
+            </a:schemeClr>
+          </a:lnRef>
+          <a:fillRef idx="1">
+            <a:schemeClr val="accent1"/>
+          </a:fillRef>
+          <a:effectRef idx="0">
+            <a:schemeClr val="accent1"/>
+          </a:effectRef>
+          <a:fontRef idx="minor">
+            <a:schemeClr val="lt1"/>
+          </a:fontRef>
+        </p:style>
+        <p:txBody>
+          <a:bodyPr rtlCol="0" anchor="ctr"/>
+          <a:lstStyle/>
+          <a:p>
+            <a:pPr algn="ctr"/>
+            <a:endParaRPr lang="en-US"/>
+          </a:p>
+        </p:txBody>
+      </p:sp>
     </p:spTree>
     <p:extLst>
       <p:ext uri="{BB962C8B-B14F-4D97-AF65-F5344CB8AC3E}">
-        <p14:creationId xmlns:p14="http://schemas.microsoft.com/office/powerpoint/2010/main" val="3156384777"/>
+        <p14:creationId xmlns:p14="http://schemas.microsoft.com/office/powerpoint/2010/main" val="140245421"/>
       </p:ext>
     </p:extLst>
   </p:cSld>
@@ -6083,60 +5966,12 @@
           <a:chExt cx="0" cy="0"/>
         </a:xfrm>
       </p:grpSpPr>
-      <p:sp>
-        <p:nvSpPr>
-          <p:cNvPr id="7" name="TextBox 6">
-            <a:extLst>
-              <a:ext uri="{FF2B5EF4-FFF2-40B4-BE49-F238E27FC236}">
-                <a16:creationId xmlns:a16="http://schemas.microsoft.com/office/drawing/2014/main" id="{DC0BA69E-AEE8-408C-8616-7AE5D70F540C}"/>
-              </a:ext>
-            </a:extLst>
-          </p:cNvPr>
-          <p:cNvSpPr txBox="1"/>
-          <p:nvPr/>
-        </p:nvSpPr>
-        <p:spPr>
-          <a:xfrm>
-            <a:off x="0" y="0"/>
-            <a:ext cx="12192000" cy="307777"/>
-          </a:xfrm>
-          <a:prstGeom prst="rect">
-            <a:avLst/>
-          </a:prstGeom>
-          <a:solidFill>
-            <a:schemeClr val="tx1"/>
-          </a:solidFill>
-        </p:spPr>
-        <p:txBody>
-          <a:bodyPr wrap="square">
-            <a:spAutoFit/>
-          </a:bodyPr>
-          <a:lstStyle/>
-          <a:p>
-            <a:r>
-              <a:rPr lang="en-US" sz="1400" b="1" i="0" dirty="0">
-                <a:solidFill>
-                  <a:schemeClr val="bg1"/>
-                </a:solidFill>
-                <a:effectLst/>
-                <a:latin typeface="-apple-system"/>
-              </a:rPr>
-              <a:t>Search for Dataset using Query Builder</a:t>
-            </a:r>
-            <a:endParaRPr lang="en-US" sz="1400" dirty="0">
-              <a:solidFill>
-                <a:schemeClr val="bg1"/>
-              </a:solidFill>
-            </a:endParaRPr>
-          </a:p>
-        </p:txBody>
-      </p:sp>
       <p:pic>
         <p:nvPicPr>
           <p:cNvPr id="4" name="Picture 3">
             <a:extLst>
               <a:ext uri="{FF2B5EF4-FFF2-40B4-BE49-F238E27FC236}">
-                <a16:creationId xmlns:a16="http://schemas.microsoft.com/office/drawing/2014/main" id="{B7F6BA0E-0E4A-43D1-8E2D-639CED4B6806}"/>
+                <a16:creationId xmlns:a16="http://schemas.microsoft.com/office/drawing/2014/main" id="{DFD6CAFB-DABA-42F6-AA54-ABD6CC65CA22}"/>
               </a:ext>
             </a:extLst>
           </p:cNvPr>
@@ -6153,8 +5988,8 @@
         </p:blipFill>
         <p:spPr>
           <a:xfrm>
-            <a:off x="1828799" y="670586"/>
-            <a:ext cx="8817128" cy="5811625"/>
+            <a:off x="0" y="618585"/>
+            <a:ext cx="12192000" cy="6092169"/>
           </a:xfrm>
           <a:prstGeom prst="rect">
             <a:avLst/>
@@ -6163,60 +5998,56 @@
       </p:pic>
       <p:sp>
         <p:nvSpPr>
-          <p:cNvPr id="8" name="Arrow: Right 7">
-            <a:extLst>
-              <a:ext uri="{FF2B5EF4-FFF2-40B4-BE49-F238E27FC236}">
-                <a16:creationId xmlns:a16="http://schemas.microsoft.com/office/drawing/2014/main" id="{6759C473-4FA3-4DA4-9C75-9CFFD560F9FF}"/>
-              </a:ext>
-            </a:extLst>
-          </p:cNvPr>
-          <p:cNvSpPr/>
+          <p:cNvPr id="6" name="TextBox 5">
+            <a:extLst>
+              <a:ext uri="{FF2B5EF4-FFF2-40B4-BE49-F238E27FC236}">
+                <a16:creationId xmlns:a16="http://schemas.microsoft.com/office/drawing/2014/main" id="{C952E453-BF62-4017-9E4A-F916AA605200}"/>
+              </a:ext>
+            </a:extLst>
+          </p:cNvPr>
+          <p:cNvSpPr txBox="1"/>
           <p:nvPr/>
         </p:nvSpPr>
         <p:spPr>
           <a:xfrm>
-            <a:off x="1546073" y="2110320"/>
-            <a:ext cx="374073" cy="290946"/>
-          </a:xfrm>
-          <a:prstGeom prst="rightArrow">
+            <a:off x="0" y="0"/>
+            <a:ext cx="12192000" cy="307777"/>
+          </a:xfrm>
+          <a:prstGeom prst="rect">
             <a:avLst/>
           </a:prstGeom>
           <a:solidFill>
-            <a:srgbClr val="FF0000"/>
+            <a:schemeClr val="tx1"/>
           </a:solidFill>
-          <a:ln>
-            <a:noFill/>
-          </a:ln>
-        </p:spPr>
-        <p:style>
-          <a:lnRef idx="2">
-            <a:schemeClr val="accent1">
-              <a:shade val="50000"/>
-            </a:schemeClr>
-          </a:lnRef>
-          <a:fillRef idx="1">
-            <a:schemeClr val="accent1"/>
-          </a:fillRef>
-          <a:effectRef idx="0">
-            <a:schemeClr val="accent1"/>
-          </a:effectRef>
-          <a:fontRef idx="minor">
-            <a:schemeClr val="lt1"/>
-          </a:fontRef>
-        </p:style>
-        <p:txBody>
-          <a:bodyPr rtlCol="0" anchor="ctr"/>
-          <a:lstStyle/>
-          <a:p>
-            <a:pPr algn="ctr"/>
-            <a:endParaRPr lang="en-US"/>
+        </p:spPr>
+        <p:txBody>
+          <a:bodyPr wrap="square">
+            <a:spAutoFit/>
+          </a:bodyPr>
+          <a:lstStyle/>
+          <a:p>
+            <a:r>
+              <a:rPr lang="en-US" sz="1400" b="1" i="0" dirty="0">
+                <a:solidFill>
+                  <a:schemeClr val="bg1"/>
+                </a:solidFill>
+                <a:effectLst/>
+                <a:latin typeface="-apple-system"/>
+              </a:rPr>
+              <a:t>Search for Dataset using Query Builder: Results</a:t>
+            </a:r>
+            <a:endParaRPr lang="en-US" sz="1400" dirty="0">
+              <a:solidFill>
+                <a:schemeClr val="bg1"/>
+              </a:solidFill>
+            </a:endParaRPr>
           </a:p>
         </p:txBody>
       </p:sp>
     </p:spTree>
     <p:extLst>
       <p:ext uri="{BB962C8B-B14F-4D97-AF65-F5344CB8AC3E}">
-        <p14:creationId xmlns:p14="http://schemas.microsoft.com/office/powerpoint/2010/main" val="140245421"/>
+        <p14:creationId xmlns:p14="http://schemas.microsoft.com/office/powerpoint/2010/main" val="3599282882"/>
       </p:ext>
     </p:extLst>
   </p:cSld>
@@ -6243,42 +6074,12 @@
           <a:chExt cx="0" cy="0"/>
         </a:xfrm>
       </p:grpSpPr>
-      <p:pic>
-        <p:nvPicPr>
-          <p:cNvPr id="4" name="Picture 3">
-            <a:extLst>
-              <a:ext uri="{FF2B5EF4-FFF2-40B4-BE49-F238E27FC236}">
-                <a16:creationId xmlns:a16="http://schemas.microsoft.com/office/drawing/2014/main" id="{DFD6CAFB-DABA-42F6-AA54-ABD6CC65CA22}"/>
-              </a:ext>
-            </a:extLst>
-          </p:cNvPr>
-          <p:cNvPicPr>
-            <a:picLocks noChangeAspect="1"/>
-          </p:cNvPicPr>
-          <p:nvPr/>
-        </p:nvPicPr>
-        <p:blipFill>
-          <a:blip r:embed="rId2"/>
-          <a:stretch>
-            <a:fillRect/>
-          </a:stretch>
-        </p:blipFill>
-        <p:spPr>
-          <a:xfrm>
-            <a:off x="0" y="618585"/>
-            <a:ext cx="12192000" cy="6092169"/>
-          </a:xfrm>
-          <a:prstGeom prst="rect">
-            <a:avLst/>
-          </a:prstGeom>
-        </p:spPr>
-      </p:pic>
       <p:sp>
         <p:nvSpPr>
           <p:cNvPr id="6" name="TextBox 5">
             <a:extLst>
               <a:ext uri="{FF2B5EF4-FFF2-40B4-BE49-F238E27FC236}">
-                <a16:creationId xmlns:a16="http://schemas.microsoft.com/office/drawing/2014/main" id="{C952E453-BF62-4017-9E4A-F916AA605200}"/>
+                <a16:creationId xmlns:a16="http://schemas.microsoft.com/office/drawing/2014/main" id="{EBB52298-5DC8-495B-A05C-C8E6A6AE32DD}"/>
               </a:ext>
             </a:extLst>
           </p:cNvPr>
@@ -6311,7 +6112,27 @@
                 <a:effectLst/>
                 <a:latin typeface="-apple-system"/>
               </a:rPr>
-              <a:t>Search for Dataset using Query Builder: Results</a:t>
+              <a:t>Create </a:t>
+            </a:r>
+            <a:r>
+              <a:rPr lang="en-US" sz="1400" b="1" i="0" dirty="0" err="1">
+                <a:solidFill>
+                  <a:schemeClr val="bg1"/>
+                </a:solidFill>
+                <a:effectLst/>
+                <a:latin typeface="-apple-system"/>
+              </a:rPr>
+              <a:t>AutoTag</a:t>
+            </a:r>
+            <a:r>
+              <a:rPr lang="en-US" sz="1400" b="1" i="0" dirty="0">
+                <a:solidFill>
+                  <a:schemeClr val="bg1"/>
+                </a:solidFill>
+                <a:effectLst/>
+                <a:latin typeface="-apple-system"/>
+              </a:rPr>
+              <a:t> Policy </a:t>
             </a:r>
             <a:endParaRPr lang="en-US" sz="1400" dirty="0">
               <a:solidFill>
@@ -6321,10 +6142,148 @@
           </a:p>
         </p:txBody>
       </p:sp>
+      <p:pic>
+        <p:nvPicPr>
+          <p:cNvPr id="7" name="Picture 6">
+            <a:extLst>
+              <a:ext uri="{FF2B5EF4-FFF2-40B4-BE49-F238E27FC236}">
+                <a16:creationId xmlns:a16="http://schemas.microsoft.com/office/drawing/2014/main" id="{2DE2B959-1902-4143-9278-C1B2FA368A84}"/>
+              </a:ext>
+            </a:extLst>
+          </p:cNvPr>
+          <p:cNvPicPr>
+            <a:picLocks noChangeAspect="1"/>
+          </p:cNvPicPr>
+          <p:nvPr/>
+        </p:nvPicPr>
+        <p:blipFill>
+          <a:blip r:embed="rId3"/>
+          <a:stretch>
+            <a:fillRect/>
+          </a:stretch>
+        </p:blipFill>
+        <p:spPr>
+          <a:xfrm>
+            <a:off x="4152180" y="3984231"/>
+            <a:ext cx="7563570" cy="2309540"/>
+          </a:xfrm>
+          <a:prstGeom prst="rect">
+            <a:avLst/>
+          </a:prstGeom>
+        </p:spPr>
+      </p:pic>
+      <p:pic>
+        <p:nvPicPr>
+          <p:cNvPr id="9" name="Picture 8">
+            <a:extLst>
+              <a:ext uri="{FF2B5EF4-FFF2-40B4-BE49-F238E27FC236}">
+                <a16:creationId xmlns:a16="http://schemas.microsoft.com/office/drawing/2014/main" id="{8DB3C8E2-4250-4855-9E47-BFA2178A4ABF}"/>
+              </a:ext>
+            </a:extLst>
+          </p:cNvPr>
+          <p:cNvPicPr>
+            <a:picLocks noChangeAspect="1"/>
+          </p:cNvPicPr>
+          <p:nvPr/>
+        </p:nvPicPr>
+        <p:blipFill>
+          <a:blip r:embed="rId4"/>
+          <a:stretch>
+            <a:fillRect/>
+          </a:stretch>
+        </p:blipFill>
+        <p:spPr>
+          <a:xfrm>
+            <a:off x="4218855" y="386813"/>
+            <a:ext cx="5386915" cy="3226714"/>
+          </a:xfrm>
+          <a:prstGeom prst="rect">
+            <a:avLst/>
+          </a:prstGeom>
+        </p:spPr>
+      </p:pic>
+      <p:sp>
+        <p:nvSpPr>
+          <p:cNvPr id="11" name="TextBox 10">
+            <a:extLst>
+              <a:ext uri="{FF2B5EF4-FFF2-40B4-BE49-F238E27FC236}">
+                <a16:creationId xmlns:a16="http://schemas.microsoft.com/office/drawing/2014/main" id="{0C55ED51-B95F-4D33-836C-5DC2ED5821DD}"/>
+              </a:ext>
+            </a:extLst>
+          </p:cNvPr>
+          <p:cNvSpPr txBox="1"/>
+          <p:nvPr/>
+        </p:nvSpPr>
+        <p:spPr>
+          <a:xfrm>
+            <a:off x="557213" y="1592005"/>
+            <a:ext cx="6105524" cy="369332"/>
+          </a:xfrm>
+          <a:prstGeom prst="rect">
+            <a:avLst/>
+          </a:prstGeom>
+          <a:noFill/>
+        </p:spPr>
+        <p:txBody>
+          <a:bodyPr wrap="square">
+            <a:spAutoFit/>
+          </a:bodyPr>
+          <a:lstStyle/>
+          <a:p>
+            <a:r>
+              <a:rPr lang="en-US" dirty="0"/>
+              <a:t>Create the </a:t>
+            </a:r>
+            <a:r>
+              <a:rPr lang="en-US" dirty="0" err="1"/>
+              <a:t>autotag</a:t>
+            </a:r>
+            <a:r>
+              <a:rPr lang="en-US" dirty="0"/>
+              <a:t> policy in json</a:t>
+            </a:r>
+          </a:p>
+        </p:txBody>
+      </p:sp>
+      <p:sp>
+        <p:nvSpPr>
+          <p:cNvPr id="12" name="TextBox 11">
+            <a:extLst>
+              <a:ext uri="{FF2B5EF4-FFF2-40B4-BE49-F238E27FC236}">
+                <a16:creationId xmlns:a16="http://schemas.microsoft.com/office/drawing/2014/main" id="{3031FA28-C7CE-415D-8AB6-29CA75D96EAE}"/>
+              </a:ext>
+            </a:extLst>
+          </p:cNvPr>
+          <p:cNvSpPr txBox="1"/>
+          <p:nvPr/>
+        </p:nvSpPr>
+        <p:spPr>
+          <a:xfrm>
+            <a:off x="585068" y="4711998"/>
+            <a:ext cx="6105524" cy="369332"/>
+          </a:xfrm>
+          <a:prstGeom prst="rect">
+            <a:avLst/>
+          </a:prstGeom>
+          <a:noFill/>
+        </p:spPr>
+        <p:txBody>
+          <a:bodyPr wrap="square">
+            <a:spAutoFit/>
+          </a:bodyPr>
+          <a:lstStyle/>
+          <a:p>
+            <a:r>
+              <a:rPr lang="en-US" dirty="0"/>
+              <a:t>Execute the policy on server</a:t>
+            </a:r>
+          </a:p>
+        </p:txBody>
+      </p:sp>
     </p:spTree>
     <p:extLst>
       <p:ext uri="{BB962C8B-B14F-4D97-AF65-F5344CB8AC3E}">
-        <p14:creationId xmlns:p14="http://schemas.microsoft.com/office/powerpoint/2010/main" val="3599282882"/>
+        <p14:creationId xmlns:p14="http://schemas.microsoft.com/office/powerpoint/2010/main" val="4253858787"/>
       </p:ext>
     </p:extLst>
   </p:cSld>
@@ -6409,7 +6368,7 @@
                 <a:effectLst/>
                 <a:latin typeface="-apple-system"/>
               </a:rPr>
-              <a:t> Policy </a:t>
+              <a:t> Policy: Result</a:t>
             </a:r>
             <a:endParaRPr lang="en-US" sz="1400" dirty="0">
               <a:solidFill>
@@ -6421,10 +6380,10 @@
       </p:sp>
       <p:pic>
         <p:nvPicPr>
-          <p:cNvPr id="7" name="Picture 6">
-            <a:extLst>
-              <a:ext uri="{FF2B5EF4-FFF2-40B4-BE49-F238E27FC236}">
-                <a16:creationId xmlns:a16="http://schemas.microsoft.com/office/drawing/2014/main" id="{2DE2B959-1902-4143-9278-C1B2FA368A84}"/>
+          <p:cNvPr id="3" name="Picture 2">
+            <a:extLst>
+              <a:ext uri="{FF2B5EF4-FFF2-40B4-BE49-F238E27FC236}">
+                <a16:creationId xmlns:a16="http://schemas.microsoft.com/office/drawing/2014/main" id="{30092FAE-E514-4669-95CF-0866594B9D09}"/>
               </a:ext>
             </a:extLst>
           </p:cNvPr>
@@ -6441,126 +6400,70 @@
         </p:blipFill>
         <p:spPr>
           <a:xfrm>
-            <a:off x="4152180" y="3984231"/>
-            <a:ext cx="7563570" cy="2309540"/>
+            <a:off x="0" y="1595437"/>
+            <a:ext cx="12192000" cy="4064000"/>
           </a:xfrm>
           <a:prstGeom prst="rect">
             <a:avLst/>
           </a:prstGeom>
         </p:spPr>
       </p:pic>
-      <p:pic>
-        <p:nvPicPr>
-          <p:cNvPr id="9" name="Picture 8">
-            <a:extLst>
-              <a:ext uri="{FF2B5EF4-FFF2-40B4-BE49-F238E27FC236}">
-                <a16:creationId xmlns:a16="http://schemas.microsoft.com/office/drawing/2014/main" id="{8DB3C8E2-4250-4855-9E47-BFA2178A4ABF}"/>
-              </a:ext>
-            </a:extLst>
-          </p:cNvPr>
-          <p:cNvPicPr>
-            <a:picLocks noChangeAspect="1"/>
-          </p:cNvPicPr>
+      <p:sp>
+        <p:nvSpPr>
+          <p:cNvPr id="13" name="Rectangle 12">
+            <a:extLst>
+              <a:ext uri="{FF2B5EF4-FFF2-40B4-BE49-F238E27FC236}">
+                <a16:creationId xmlns:a16="http://schemas.microsoft.com/office/drawing/2014/main" id="{2758C8E6-5129-4450-AA1E-3716C63648EC}"/>
+              </a:ext>
+            </a:extLst>
+          </p:cNvPr>
+          <p:cNvSpPr/>
           <p:nvPr/>
-        </p:nvPicPr>
-        <p:blipFill>
-          <a:blip r:embed="rId4"/>
-          <a:stretch>
-            <a:fillRect/>
-          </a:stretch>
-        </p:blipFill>
+        </p:nvSpPr>
         <p:spPr>
           <a:xfrm>
-            <a:off x="4218855" y="386813"/>
-            <a:ext cx="5386915" cy="3226714"/>
-          </a:xfrm>
-          <a:prstGeom prst="rect">
-            <a:avLst/>
-          </a:prstGeom>
-        </p:spPr>
-      </p:pic>
-      <p:sp>
-        <p:nvSpPr>
-          <p:cNvPr id="11" name="TextBox 10">
-            <a:extLst>
-              <a:ext uri="{FF2B5EF4-FFF2-40B4-BE49-F238E27FC236}">
-                <a16:creationId xmlns:a16="http://schemas.microsoft.com/office/drawing/2014/main" id="{0C55ED51-B95F-4D33-836C-5DC2ED5821DD}"/>
-              </a:ext>
-            </a:extLst>
-          </p:cNvPr>
-          <p:cNvSpPr txBox="1"/>
-          <p:nvPr/>
-        </p:nvSpPr>
-        <p:spPr>
-          <a:xfrm>
-            <a:off x="557213" y="1592005"/>
-            <a:ext cx="6105524" cy="369332"/>
+            <a:off x="0" y="4367745"/>
+            <a:ext cx="12192000" cy="356655"/>
           </a:xfrm>
           <a:prstGeom prst="rect">
             <a:avLst/>
           </a:prstGeom>
           <a:noFill/>
-        </p:spPr>
-        <p:txBody>
-          <a:bodyPr wrap="square">
-            <a:spAutoFit/>
-          </a:bodyPr>
-          <a:lstStyle/>
-          <a:p>
-            <a:r>
-              <a:rPr lang="en-US" dirty="0"/>
-              <a:t>Create the </a:t>
-            </a:r>
-            <a:r>
-              <a:rPr lang="en-US" dirty="0" err="1"/>
-              <a:t>autotag</a:t>
-            </a:r>
-            <a:r>
-              <a:rPr lang="en-US" dirty="0"/>
-              <a:t> policy in json</a:t>
-            </a:r>
-          </a:p>
-        </p:txBody>
-      </p:sp>
-      <p:sp>
-        <p:nvSpPr>
-          <p:cNvPr id="12" name="TextBox 11">
-            <a:extLst>
-              <a:ext uri="{FF2B5EF4-FFF2-40B4-BE49-F238E27FC236}">
-                <a16:creationId xmlns:a16="http://schemas.microsoft.com/office/drawing/2014/main" id="{3031FA28-C7CE-415D-8AB6-29CA75D96EAE}"/>
-              </a:ext>
-            </a:extLst>
-          </p:cNvPr>
-          <p:cNvSpPr txBox="1"/>
-          <p:nvPr/>
-        </p:nvSpPr>
-        <p:spPr>
-          <a:xfrm>
-            <a:off x="585068" y="4711998"/>
-            <a:ext cx="6105524" cy="369332"/>
-          </a:xfrm>
-          <a:prstGeom prst="rect">
-            <a:avLst/>
-          </a:prstGeom>
-          <a:noFill/>
-        </p:spPr>
-        <p:txBody>
-          <a:bodyPr wrap="square">
-            <a:spAutoFit/>
-          </a:bodyPr>
-          <a:lstStyle/>
-          <a:p>
-            <a:r>
-              <a:rPr lang="en-US" dirty="0"/>
-              <a:t>Execute the policy on server</a:t>
-            </a:r>
+          <a:ln w="38100">
+            <a:solidFill>
+              <a:srgbClr val="FF0000"/>
+            </a:solidFill>
+          </a:ln>
+        </p:spPr>
+        <p:style>
+          <a:lnRef idx="2">
+            <a:schemeClr val="accent1">
+              <a:shade val="50000"/>
+            </a:schemeClr>
+          </a:lnRef>
+          <a:fillRef idx="1">
+            <a:schemeClr val="accent1"/>
+          </a:fillRef>
+          <a:effectRef idx="0">
+            <a:schemeClr val="accent1"/>
+          </a:effectRef>
+          <a:fontRef idx="minor">
+            <a:schemeClr val="lt1"/>
+          </a:fontRef>
+        </p:style>
+        <p:txBody>
+          <a:bodyPr rtlCol="0" anchor="ctr"/>
+          <a:lstStyle/>
+          <a:p>
+            <a:pPr algn="ctr"/>
+            <a:endParaRPr lang="en-US"/>
           </a:p>
         </p:txBody>
       </p:sp>
     </p:spTree>
     <p:extLst>
       <p:ext uri="{BB962C8B-B14F-4D97-AF65-F5344CB8AC3E}">
-        <p14:creationId xmlns:p14="http://schemas.microsoft.com/office/powerpoint/2010/main" val="4253858787"/>
+        <p14:creationId xmlns:p14="http://schemas.microsoft.com/office/powerpoint/2010/main" val="959651668"/>
       </p:ext>
     </p:extLst>
   </p:cSld>
@@ -6587,80 +6490,12 @@
           <a:chExt cx="0" cy="0"/>
         </a:xfrm>
       </p:grpSpPr>
-      <p:sp>
-        <p:nvSpPr>
-          <p:cNvPr id="6" name="TextBox 5">
-            <a:extLst>
-              <a:ext uri="{FF2B5EF4-FFF2-40B4-BE49-F238E27FC236}">
-                <a16:creationId xmlns:a16="http://schemas.microsoft.com/office/drawing/2014/main" id="{EBB52298-5DC8-495B-A05C-C8E6A6AE32DD}"/>
-              </a:ext>
-            </a:extLst>
-          </p:cNvPr>
-          <p:cNvSpPr txBox="1"/>
-          <p:nvPr/>
-        </p:nvSpPr>
-        <p:spPr>
-          <a:xfrm>
-            <a:off x="0" y="0"/>
-            <a:ext cx="12192000" cy="307777"/>
-          </a:xfrm>
-          <a:prstGeom prst="rect">
-            <a:avLst/>
-          </a:prstGeom>
-          <a:solidFill>
-            <a:schemeClr val="tx1"/>
-          </a:solidFill>
-        </p:spPr>
-        <p:txBody>
-          <a:bodyPr wrap="square">
-            <a:spAutoFit/>
-          </a:bodyPr>
-          <a:lstStyle/>
-          <a:p>
-            <a:r>
-              <a:rPr lang="en-US" sz="1400" b="1" i="0" dirty="0">
-                <a:solidFill>
-                  <a:schemeClr val="bg1"/>
-                </a:solidFill>
-                <a:effectLst/>
-                <a:latin typeface="-apple-system"/>
-              </a:rPr>
-              <a:t>Create </a:t>
-            </a:r>
-            <a:r>
-              <a:rPr lang="en-US" sz="1400" b="1" i="0" dirty="0" err="1">
-                <a:solidFill>
-                  <a:schemeClr val="bg1"/>
-                </a:solidFill>
-                <a:effectLst/>
-                <a:latin typeface="-apple-system"/>
-              </a:rPr>
-              <a:t>AutoTag</a:t>
-            </a:r>
-            <a:r>
-              <a:rPr lang="en-US" sz="1400" b="1" i="0" dirty="0">
-                <a:solidFill>
-                  <a:schemeClr val="bg1"/>
-                </a:solidFill>
-                <a:effectLst/>
-                <a:latin typeface="-apple-system"/>
-              </a:rPr>
-              <a:t> Policy: Result</a:t>
-            </a:r>
-            <a:endParaRPr lang="en-US" sz="1400" dirty="0">
-              <a:solidFill>
-                <a:schemeClr val="bg1"/>
-              </a:solidFill>
-            </a:endParaRPr>
-          </a:p>
-        </p:txBody>
-      </p:sp>
       <p:pic>
         <p:nvPicPr>
-          <p:cNvPr id="3" name="Picture 2">
-            <a:extLst>
-              <a:ext uri="{FF2B5EF4-FFF2-40B4-BE49-F238E27FC236}">
-                <a16:creationId xmlns:a16="http://schemas.microsoft.com/office/drawing/2014/main" id="{30092FAE-E514-4669-95CF-0866594B9D09}"/>
+          <p:cNvPr id="4" name="Picture 3">
+            <a:extLst>
+              <a:ext uri="{FF2B5EF4-FFF2-40B4-BE49-F238E27FC236}">
+                <a16:creationId xmlns:a16="http://schemas.microsoft.com/office/drawing/2014/main" id="{58610BAA-EF35-41A3-8F84-F84134E42D21}"/>
               </a:ext>
             </a:extLst>
           </p:cNvPr>
@@ -6677,8 +6512,8 @@
         </p:blipFill>
         <p:spPr>
           <a:xfrm>
-            <a:off x="0" y="1595437"/>
-            <a:ext cx="12192000" cy="4064000"/>
+            <a:off x="0" y="650683"/>
+            <a:ext cx="12192000" cy="5556634"/>
           </a:xfrm>
           <a:prstGeom prst="rect">
             <a:avLst/>
@@ -6687,6 +6522,74 @@
       </p:pic>
       <p:sp>
         <p:nvSpPr>
+          <p:cNvPr id="6" name="TextBox 5">
+            <a:extLst>
+              <a:ext uri="{FF2B5EF4-FFF2-40B4-BE49-F238E27FC236}">
+                <a16:creationId xmlns:a16="http://schemas.microsoft.com/office/drawing/2014/main" id="{EBB52298-5DC8-495B-A05C-C8E6A6AE32DD}"/>
+              </a:ext>
+            </a:extLst>
+          </p:cNvPr>
+          <p:cNvSpPr txBox="1"/>
+          <p:nvPr/>
+        </p:nvSpPr>
+        <p:spPr>
+          <a:xfrm>
+            <a:off x="0" y="0"/>
+            <a:ext cx="12192000" cy="307777"/>
+          </a:xfrm>
+          <a:prstGeom prst="rect">
+            <a:avLst/>
+          </a:prstGeom>
+          <a:solidFill>
+            <a:schemeClr val="tx1"/>
+          </a:solidFill>
+        </p:spPr>
+        <p:txBody>
+          <a:bodyPr wrap="square">
+            <a:spAutoFit/>
+          </a:bodyPr>
+          <a:lstStyle/>
+          <a:p>
+            <a:r>
+              <a:rPr lang="en-US" sz="1400" b="1" i="0" dirty="0">
+                <a:solidFill>
+                  <a:schemeClr val="bg1"/>
+                </a:solidFill>
+                <a:effectLst/>
+                <a:latin typeface="-apple-system"/>
+              </a:rPr>
+              <a:t>Create </a:t>
+            </a:r>
+            <a:r>
+              <a:rPr lang="en-US" sz="1400" b="1" i="0" dirty="0" err="1">
+                <a:solidFill>
+                  <a:schemeClr val="bg1"/>
+                </a:solidFill>
+                <a:effectLst/>
+                <a:latin typeface="-apple-system"/>
+              </a:rPr>
+              <a:t>AutoTag</a:t>
+            </a:r>
+            <a:r>
+              <a:rPr lang="en-US" sz="1400" b="1" i="0" dirty="0">
+                <a:solidFill>
+                  <a:schemeClr val="bg1"/>
+                </a:solidFill>
+                <a:effectLst/>
+                <a:latin typeface="-apple-system"/>
+              </a:rPr>
+              <a:t> Policy: Result</a:t>
+            </a:r>
+            <a:endParaRPr lang="en-US" sz="1400" dirty="0">
+              <a:solidFill>
+                <a:schemeClr val="bg1"/>
+              </a:solidFill>
+            </a:endParaRPr>
+          </a:p>
+        </p:txBody>
+      </p:sp>
+      <p:sp>
+        <p:nvSpPr>
           <p:cNvPr id="13" name="Rectangle 12">
             <a:extLst>
               <a:ext uri="{FF2B5EF4-FFF2-40B4-BE49-F238E27FC236}">
@@ -6699,8 +6602,8 @@
         </p:nvSpPr>
         <p:spPr>
           <a:xfrm>
-            <a:off x="0" y="4367745"/>
-            <a:ext cx="12192000" cy="356655"/>
+            <a:off x="0" y="2596095"/>
+            <a:ext cx="12192000" cy="404280"/>
           </a:xfrm>
           <a:prstGeom prst="rect">
             <a:avLst/>
@@ -6740,7 +6643,7 @@
     </p:spTree>
     <p:extLst>
       <p:ext uri="{BB962C8B-B14F-4D97-AF65-F5344CB8AC3E}">
-        <p14:creationId xmlns:p14="http://schemas.microsoft.com/office/powerpoint/2010/main" val="959651668"/>
+        <p14:creationId xmlns:p14="http://schemas.microsoft.com/office/powerpoint/2010/main" val="3150851787"/>
       </p:ext>
     </p:extLst>
   </p:cSld>
@@ -6767,12 +6670,80 @@
           <a:chExt cx="0" cy="0"/>
         </a:xfrm>
       </p:grpSpPr>
+      <p:sp>
+        <p:nvSpPr>
+          <p:cNvPr id="6" name="TextBox 5">
+            <a:extLst>
+              <a:ext uri="{FF2B5EF4-FFF2-40B4-BE49-F238E27FC236}">
+                <a16:creationId xmlns:a16="http://schemas.microsoft.com/office/drawing/2014/main" id="{EBB52298-5DC8-495B-A05C-C8E6A6AE32DD}"/>
+              </a:ext>
+            </a:extLst>
+          </p:cNvPr>
+          <p:cNvSpPr txBox="1"/>
+          <p:nvPr/>
+        </p:nvSpPr>
+        <p:spPr>
+          <a:xfrm>
+            <a:off x="0" y="0"/>
+            <a:ext cx="12192000" cy="307777"/>
+          </a:xfrm>
+          <a:prstGeom prst="rect">
+            <a:avLst/>
+          </a:prstGeom>
+          <a:solidFill>
+            <a:schemeClr val="tx1"/>
+          </a:solidFill>
+        </p:spPr>
+        <p:txBody>
+          <a:bodyPr wrap="square">
+            <a:spAutoFit/>
+          </a:bodyPr>
+          <a:lstStyle/>
+          <a:p>
+            <a:r>
+              <a:rPr lang="en-US" sz="1400" b="1" i="0" dirty="0">
+                <a:solidFill>
+                  <a:schemeClr val="bg1"/>
+                </a:solidFill>
+                <a:effectLst/>
+                <a:latin typeface="-apple-system"/>
+              </a:rPr>
+              <a:t>Create </a:t>
+            </a:r>
+            <a:r>
+              <a:rPr lang="en-US" sz="1400" b="1" i="0" dirty="0" err="1">
+                <a:solidFill>
+                  <a:schemeClr val="bg1"/>
+                </a:solidFill>
+                <a:effectLst/>
+                <a:latin typeface="-apple-system"/>
+              </a:rPr>
+              <a:t>AutoTag</a:t>
+            </a:r>
+            <a:r>
+              <a:rPr lang="en-US" sz="1400" b="1" i="0" dirty="0">
+                <a:solidFill>
+                  <a:schemeClr val="bg1"/>
+                </a:solidFill>
+                <a:effectLst/>
+                <a:latin typeface="-apple-system"/>
+              </a:rPr>
+              <a:t> Policy: Result</a:t>
+            </a:r>
+            <a:endParaRPr lang="en-US" sz="1400" dirty="0">
+              <a:solidFill>
+                <a:schemeClr val="bg1"/>
+              </a:solidFill>
+            </a:endParaRPr>
+          </a:p>
+        </p:txBody>
+      </p:sp>
       <p:pic>
         <p:nvPicPr>
-          <p:cNvPr id="4" name="Picture 3">
-            <a:extLst>
-              <a:ext uri="{FF2B5EF4-FFF2-40B4-BE49-F238E27FC236}">
-                <a16:creationId xmlns:a16="http://schemas.microsoft.com/office/drawing/2014/main" id="{58610BAA-EF35-41A3-8F84-F84134E42D21}"/>
+          <p:cNvPr id="3" name="Picture 2">
+            <a:extLst>
+              <a:ext uri="{FF2B5EF4-FFF2-40B4-BE49-F238E27FC236}">
+                <a16:creationId xmlns:a16="http://schemas.microsoft.com/office/drawing/2014/main" id="{3A4B1659-49C6-4762-8780-C18DCDE0D056}"/>
               </a:ext>
             </a:extLst>
           </p:cNvPr>
@@ -6789,8 +6760,8 @@
         </p:blipFill>
         <p:spPr>
           <a:xfrm>
-            <a:off x="0" y="650683"/>
-            <a:ext cx="12192000" cy="5556634"/>
+            <a:off x="1099455" y="503938"/>
+            <a:ext cx="9783540" cy="6354062"/>
           </a:xfrm>
           <a:prstGeom prst="rect">
             <a:avLst/>
@@ -6799,78 +6770,10 @@
       </p:pic>
       <p:sp>
         <p:nvSpPr>
-          <p:cNvPr id="6" name="TextBox 5">
-            <a:extLst>
-              <a:ext uri="{FF2B5EF4-FFF2-40B4-BE49-F238E27FC236}">
-                <a16:creationId xmlns:a16="http://schemas.microsoft.com/office/drawing/2014/main" id="{EBB52298-5DC8-495B-A05C-C8E6A6AE32DD}"/>
-              </a:ext>
-            </a:extLst>
-          </p:cNvPr>
-          <p:cNvSpPr txBox="1"/>
-          <p:nvPr/>
-        </p:nvSpPr>
-        <p:spPr>
-          <a:xfrm>
-            <a:off x="0" y="0"/>
-            <a:ext cx="12192000" cy="307777"/>
-          </a:xfrm>
-          <a:prstGeom prst="rect">
-            <a:avLst/>
-          </a:prstGeom>
-          <a:solidFill>
-            <a:schemeClr val="tx1"/>
-          </a:solidFill>
-        </p:spPr>
-        <p:txBody>
-          <a:bodyPr wrap="square">
-            <a:spAutoFit/>
-          </a:bodyPr>
-          <a:lstStyle/>
-          <a:p>
-            <a:r>
-              <a:rPr lang="en-US" sz="1400" b="1" i="0" dirty="0">
-                <a:solidFill>
-                  <a:schemeClr val="bg1"/>
-                </a:solidFill>
-                <a:effectLst/>
-                <a:latin typeface="-apple-system"/>
-              </a:rPr>
-              <a:t>Create </a:t>
-            </a:r>
-            <a:r>
-              <a:rPr lang="en-US" sz="1400" b="1" i="0" dirty="0" err="1">
-                <a:solidFill>
-                  <a:schemeClr val="bg1"/>
-                </a:solidFill>
-                <a:effectLst/>
-                <a:latin typeface="-apple-system"/>
-              </a:rPr>
-              <a:t>AutoTag</a:t>
-            </a:r>
-            <a:r>
-              <a:rPr lang="en-US" sz="1400" b="1" i="0" dirty="0">
-                <a:solidFill>
-                  <a:schemeClr val="bg1"/>
-                </a:solidFill>
-                <a:effectLst/>
-                <a:latin typeface="-apple-system"/>
-              </a:rPr>
-              <a:t> Policy: Result</a:t>
-            </a:r>
-            <a:endParaRPr lang="en-US" sz="1400" dirty="0">
-              <a:solidFill>
-                <a:schemeClr val="bg1"/>
-              </a:solidFill>
-            </a:endParaRPr>
-          </a:p>
-        </p:txBody>
-      </p:sp>
-      <p:sp>
-        <p:nvSpPr>
-          <p:cNvPr id="13" name="Rectangle 12">
-            <a:extLst>
-              <a:ext uri="{FF2B5EF4-FFF2-40B4-BE49-F238E27FC236}">
-                <a16:creationId xmlns:a16="http://schemas.microsoft.com/office/drawing/2014/main" id="{2758C8E6-5129-4450-AA1E-3716C63648EC}"/>
+          <p:cNvPr id="7" name="Rectangle 6">
+            <a:extLst>
+              <a:ext uri="{FF2B5EF4-FFF2-40B4-BE49-F238E27FC236}">
+                <a16:creationId xmlns:a16="http://schemas.microsoft.com/office/drawing/2014/main" id="{ECE6D009-1B17-4D02-B08A-98AC740FF371}"/>
               </a:ext>
             </a:extLst>
           </p:cNvPr>
@@ -6879,8 +6782,8 @@
         </p:nvSpPr>
         <p:spPr>
           <a:xfrm>
-            <a:off x="0" y="2596095"/>
-            <a:ext cx="12192000" cy="404280"/>
+            <a:off x="9448800" y="1095375"/>
+            <a:ext cx="647700" cy="4857750"/>
           </a:xfrm>
           <a:prstGeom prst="rect">
             <a:avLst/>
@@ -6920,7 +6823,7 @@
     </p:spTree>
     <p:extLst>
       <p:ext uri="{BB962C8B-B14F-4D97-AF65-F5344CB8AC3E}">
-        <p14:creationId xmlns:p14="http://schemas.microsoft.com/office/powerpoint/2010/main" val="3150851787"/>
+        <p14:creationId xmlns:p14="http://schemas.microsoft.com/office/powerpoint/2010/main" val="2842039729"/>
       </p:ext>
     </p:extLst>
   </p:cSld>
@@ -6985,27 +6888,7 @@
                 <a:effectLst/>
                 <a:latin typeface="-apple-system"/>
               </a:rPr>
-              <a:t>Create </a:t>
-            </a:r>
-            <a:r>
-              <a:rPr lang="en-US" sz="1400" b="1" i="0" dirty="0" err="1">
-                <a:solidFill>
-                  <a:schemeClr val="bg1"/>
-                </a:solidFill>
-                <a:effectLst/>
-                <a:latin typeface="-apple-system"/>
-              </a:rPr>
-              <a:t>AutoTag</a:t>
-            </a:r>
-            <a:r>
-              <a:rPr lang="en-US" sz="1400" b="1" i="0" dirty="0">
-                <a:solidFill>
-                  <a:schemeClr val="bg1"/>
-                </a:solidFill>
-                <a:effectLst/>
-                <a:latin typeface="-apple-system"/>
-              </a:rPr>
-              <a:t> Policy: Result</a:t>
+              <a:t>Custom-Tag Dataset</a:t>
             </a:r>
             <a:endParaRPr lang="en-US" sz="1400" dirty="0">
               <a:solidFill>
@@ -7017,10 +6900,10 @@
       </p:sp>
       <p:pic>
         <p:nvPicPr>
-          <p:cNvPr id="3" name="Picture 2">
-            <a:extLst>
-              <a:ext uri="{FF2B5EF4-FFF2-40B4-BE49-F238E27FC236}">
-                <a16:creationId xmlns:a16="http://schemas.microsoft.com/office/drawing/2014/main" id="{3A4B1659-49C6-4762-8780-C18DCDE0D056}"/>
+          <p:cNvPr id="4" name="Picture 3">
+            <a:extLst>
+              <a:ext uri="{FF2B5EF4-FFF2-40B4-BE49-F238E27FC236}">
+                <a16:creationId xmlns:a16="http://schemas.microsoft.com/office/drawing/2014/main" id="{7C3ED1B3-18A3-4E78-B36D-A8F376340E08}"/>
               </a:ext>
             </a:extLst>
           </p:cNvPr>
@@ -7037,8 +6920,8 @@
         </p:blipFill>
         <p:spPr>
           <a:xfrm>
-            <a:off x="1099455" y="503938"/>
-            <a:ext cx="9783540" cy="6354062"/>
+            <a:off x="0" y="703504"/>
+            <a:ext cx="12192000" cy="4954346"/>
           </a:xfrm>
           <a:prstGeom prst="rect">
             <a:avLst/>
@@ -7047,10 +6930,10 @@
       </p:pic>
       <p:sp>
         <p:nvSpPr>
-          <p:cNvPr id="7" name="Rectangle 6">
-            <a:extLst>
-              <a:ext uri="{FF2B5EF4-FFF2-40B4-BE49-F238E27FC236}">
-                <a16:creationId xmlns:a16="http://schemas.microsoft.com/office/drawing/2014/main" id="{ECE6D009-1B17-4D02-B08A-98AC740FF371}"/>
+          <p:cNvPr id="8" name="Rectangle 7">
+            <a:extLst>
+              <a:ext uri="{FF2B5EF4-FFF2-40B4-BE49-F238E27FC236}">
+                <a16:creationId xmlns:a16="http://schemas.microsoft.com/office/drawing/2014/main" id="{E06A6F7E-778E-4838-8AE8-A969B2BA2E81}"/>
               </a:ext>
             </a:extLst>
           </p:cNvPr>
@@ -7059,8 +6942,8 @@
         </p:nvSpPr>
         <p:spPr>
           <a:xfrm>
-            <a:off x="9448800" y="1095375"/>
-            <a:ext cx="647700" cy="4857750"/>
+            <a:off x="3162300" y="1533526"/>
+            <a:ext cx="409575" cy="3848100"/>
           </a:xfrm>
           <a:prstGeom prst="rect">
             <a:avLst/>
@@ -7097,10 +6980,62 @@
           </a:p>
         </p:txBody>
       </p:sp>
+      <p:sp>
+        <p:nvSpPr>
+          <p:cNvPr id="9" name="Arrow: Right 8">
+            <a:extLst>
+              <a:ext uri="{FF2B5EF4-FFF2-40B4-BE49-F238E27FC236}">
+                <a16:creationId xmlns:a16="http://schemas.microsoft.com/office/drawing/2014/main" id="{796EF17F-3774-430C-8550-A30A0E6CE147}"/>
+              </a:ext>
+            </a:extLst>
+          </p:cNvPr>
+          <p:cNvSpPr/>
+          <p:nvPr/>
+        </p:nvSpPr>
+        <p:spPr>
+          <a:xfrm rot="5400000">
+            <a:off x="9766148" y="745068"/>
+            <a:ext cx="374073" cy="290946"/>
+          </a:xfrm>
+          <a:prstGeom prst="rightArrow">
+            <a:avLst/>
+          </a:prstGeom>
+          <a:solidFill>
+            <a:srgbClr val="FF0000"/>
+          </a:solidFill>
+          <a:ln>
+            <a:noFill/>
+          </a:ln>
+        </p:spPr>
+        <p:style>
+          <a:lnRef idx="2">
+            <a:schemeClr val="accent1">
+              <a:shade val="50000"/>
+            </a:schemeClr>
+          </a:lnRef>
+          <a:fillRef idx="1">
+            <a:schemeClr val="accent1"/>
+          </a:fillRef>
+          <a:effectRef idx="0">
+            <a:schemeClr val="accent1"/>
+          </a:effectRef>
+          <a:fontRef idx="minor">
+            <a:schemeClr val="lt1"/>
+          </a:fontRef>
+        </p:style>
+        <p:txBody>
+          <a:bodyPr rtlCol="0" anchor="ctr"/>
+          <a:lstStyle/>
+          <a:p>
+            <a:pPr algn="ctr"/>
+            <a:endParaRPr lang="en-US"/>
+          </a:p>
+        </p:txBody>
+      </p:sp>
     </p:spTree>
     <p:extLst>
       <p:ext uri="{BB962C8B-B14F-4D97-AF65-F5344CB8AC3E}">
-        <p14:creationId xmlns:p14="http://schemas.microsoft.com/office/powerpoint/2010/main" val="2842039729"/>
+        <p14:creationId xmlns:p14="http://schemas.microsoft.com/office/powerpoint/2010/main" val="1102119836"/>
       </p:ext>
     </p:extLst>
   </p:cSld>

--- a/scenario1/recording/T101389-Scenario1-v20210921.pptx
+++ b/scenario1/recording/T101389-Scenario1-v20210921.pptx
@@ -213,7 +213,7 @@
           <a:p>
             <a:fld id="{39C8D823-5070-4303-893E-3EE68598E0B1}" type="datetimeFigureOut">
               <a:rPr lang="en-US" smtClean="0"/>
-              <a:t>9/21/2021</a:t>
+              <a:t>9/22/2021</a:t>
             </a:fld>
             <a:endParaRPr lang="en-US"/>
           </a:p>
@@ -1047,7 +1047,7 @@
           <a:p>
             <a:fld id="{48FC2B21-7E56-4657-8153-3102D269B655}" type="datetimeFigureOut">
               <a:rPr lang="en-US" smtClean="0"/>
-              <a:t>9/21/2021</a:t>
+              <a:t>9/22/2021</a:t>
             </a:fld>
             <a:endParaRPr lang="en-US"/>
           </a:p>
@@ -1245,7 +1245,7 @@
           <a:p>
             <a:fld id="{48FC2B21-7E56-4657-8153-3102D269B655}" type="datetimeFigureOut">
               <a:rPr lang="en-US" smtClean="0"/>
-              <a:t>9/21/2021</a:t>
+              <a:t>9/22/2021</a:t>
             </a:fld>
             <a:endParaRPr lang="en-US"/>
           </a:p>
@@ -1453,7 +1453,7 @@
           <a:p>
             <a:fld id="{48FC2B21-7E56-4657-8153-3102D269B655}" type="datetimeFigureOut">
               <a:rPr lang="en-US" smtClean="0"/>
-              <a:t>9/21/2021</a:t>
+              <a:t>9/22/2021</a:t>
             </a:fld>
             <a:endParaRPr lang="en-US"/>
           </a:p>
@@ -1651,7 +1651,7 @@
           <a:p>
             <a:fld id="{48FC2B21-7E56-4657-8153-3102D269B655}" type="datetimeFigureOut">
               <a:rPr lang="en-US" smtClean="0"/>
-              <a:t>9/21/2021</a:t>
+              <a:t>9/22/2021</a:t>
             </a:fld>
             <a:endParaRPr lang="en-US"/>
           </a:p>
@@ -1926,7 +1926,7 @@
           <a:p>
             <a:fld id="{48FC2B21-7E56-4657-8153-3102D269B655}" type="datetimeFigureOut">
               <a:rPr lang="en-US" smtClean="0"/>
-              <a:t>9/21/2021</a:t>
+              <a:t>9/22/2021</a:t>
             </a:fld>
             <a:endParaRPr lang="en-US"/>
           </a:p>
@@ -2191,7 +2191,7 @@
           <a:p>
             <a:fld id="{48FC2B21-7E56-4657-8153-3102D269B655}" type="datetimeFigureOut">
               <a:rPr lang="en-US" smtClean="0"/>
-              <a:t>9/21/2021</a:t>
+              <a:t>9/22/2021</a:t>
             </a:fld>
             <a:endParaRPr lang="en-US"/>
           </a:p>
@@ -2603,7 +2603,7 @@
           <a:p>
             <a:fld id="{48FC2B21-7E56-4657-8153-3102D269B655}" type="datetimeFigureOut">
               <a:rPr lang="en-US" smtClean="0"/>
-              <a:t>9/21/2021</a:t>
+              <a:t>9/22/2021</a:t>
             </a:fld>
             <a:endParaRPr lang="en-US"/>
           </a:p>
@@ -2744,7 +2744,7 @@
           <a:p>
             <a:fld id="{48FC2B21-7E56-4657-8153-3102D269B655}" type="datetimeFigureOut">
               <a:rPr lang="en-US" smtClean="0"/>
-              <a:t>9/21/2021</a:t>
+              <a:t>9/22/2021</a:t>
             </a:fld>
             <a:endParaRPr lang="en-US"/>
           </a:p>
@@ -2857,7 +2857,7 @@
           <a:p>
             <a:fld id="{48FC2B21-7E56-4657-8153-3102D269B655}" type="datetimeFigureOut">
               <a:rPr lang="en-US" smtClean="0"/>
-              <a:t>9/21/2021</a:t>
+              <a:t>9/22/2021</a:t>
             </a:fld>
             <a:endParaRPr lang="en-US"/>
           </a:p>
@@ -3168,7 +3168,7 @@
           <a:p>
             <a:fld id="{48FC2B21-7E56-4657-8153-3102D269B655}" type="datetimeFigureOut">
               <a:rPr lang="en-US" smtClean="0"/>
-              <a:t>9/21/2021</a:t>
+              <a:t>9/22/2021</a:t>
             </a:fld>
             <a:endParaRPr lang="en-US"/>
           </a:p>
@@ -3456,7 +3456,7 @@
           <a:p>
             <a:fld id="{48FC2B21-7E56-4657-8153-3102D269B655}" type="datetimeFigureOut">
               <a:rPr lang="en-US" smtClean="0"/>
-              <a:t>9/21/2021</a:t>
+              <a:t>9/22/2021</a:t>
             </a:fld>
             <a:endParaRPr lang="en-US"/>
           </a:p>
@@ -3697,7 +3697,7 @@
           <a:p>
             <a:fld id="{48FC2B21-7E56-4657-8153-3102D269B655}" type="datetimeFigureOut">
               <a:rPr lang="en-US" smtClean="0"/>
-              <a:t>9/21/2021</a:t>
+              <a:t>9/22/2021</a:t>
             </a:fld>
             <a:endParaRPr lang="en-US"/>
           </a:p>
@@ -4150,7 +4150,7 @@
                 <a:effectLst/>
                 <a:latin typeface="-apple-system"/>
               </a:rPr>
-              <a:t>Demo: Unified Data Catalog for Military Aircraft</a:t>
+              <a:t>Demo: Unified Data Catalog for Aircraft Images</a:t>
             </a:r>
             <a:endParaRPr lang="en-US" sz="4000" dirty="0"/>
           </a:p>
@@ -4819,7 +4819,7 @@
                 </a:solidFill>
                 <a:latin typeface="-apple-system"/>
               </a:rPr>
-              <a:t>Find the Newly Tagged Dataset with Visual Query</a:t>
+              <a:t>Browse for New Dataset (udc-dem2 = T101389-s1) with Visual Query</a:t>
             </a:r>
             <a:endParaRPr lang="en-US" sz="1400" dirty="0">
               <a:solidFill>
@@ -5174,12 +5174,59 @@
           <a:chExt cx="0" cy="0"/>
         </a:xfrm>
       </p:grpSpPr>
+      <p:sp>
+        <p:nvSpPr>
+          <p:cNvPr id="6" name="TextBox 5">
+            <a:extLst>
+              <a:ext uri="{FF2B5EF4-FFF2-40B4-BE49-F238E27FC236}">
+                <a16:creationId xmlns:a16="http://schemas.microsoft.com/office/drawing/2014/main" id="{7A88B84A-7FB5-4C14-8855-A10017599D03}"/>
+              </a:ext>
+            </a:extLst>
+          </p:cNvPr>
+          <p:cNvSpPr txBox="1"/>
+          <p:nvPr/>
+        </p:nvSpPr>
+        <p:spPr>
+          <a:xfrm>
+            <a:off x="0" y="-12367"/>
+            <a:ext cx="12192000" cy="307777"/>
+          </a:xfrm>
+          <a:prstGeom prst="rect">
+            <a:avLst/>
+          </a:prstGeom>
+          <a:solidFill>
+            <a:schemeClr val="tx1"/>
+          </a:solidFill>
+        </p:spPr>
+        <p:txBody>
+          <a:bodyPr wrap="square">
+            <a:spAutoFit/>
+          </a:bodyPr>
+          <a:lstStyle/>
+          <a:p>
+            <a:r>
+              <a:rPr lang="en-US" sz="1400" b="1" dirty="0">
+                <a:solidFill>
+                  <a:schemeClr val="bg1"/>
+                </a:solidFill>
+                <a:latin typeface="-apple-system"/>
+              </a:rPr>
+              <a:t>Generate a Report of the New Dataset as a CSV Manifest</a:t>
+            </a:r>
+            <a:endParaRPr lang="en-US" sz="1400" dirty="0">
+              <a:solidFill>
+                <a:schemeClr val="bg1"/>
+              </a:solidFill>
+            </a:endParaRPr>
+          </a:p>
+        </p:txBody>
+      </p:sp>
       <p:pic>
         <p:nvPicPr>
-          <p:cNvPr id="5" name="Picture 4">
-            <a:extLst>
-              <a:ext uri="{FF2B5EF4-FFF2-40B4-BE49-F238E27FC236}">
-                <a16:creationId xmlns:a16="http://schemas.microsoft.com/office/drawing/2014/main" id="{42C2171D-13DC-424C-B785-42F6A39C5321}"/>
+          <p:cNvPr id="3" name="Picture 2">
+            <a:extLst>
+              <a:ext uri="{FF2B5EF4-FFF2-40B4-BE49-F238E27FC236}">
+                <a16:creationId xmlns:a16="http://schemas.microsoft.com/office/drawing/2014/main" id="{9045C729-9815-45D4-847A-135F2DCEDEED}"/>
               </a:ext>
             </a:extLst>
           </p:cNvPr>
@@ -5196,61 +5243,14 @@
         </p:blipFill>
         <p:spPr>
           <a:xfrm>
-            <a:off x="0" y="808726"/>
-            <a:ext cx="12192000" cy="5240547"/>
+            <a:off x="0" y="687750"/>
+            <a:ext cx="12192000" cy="5482499"/>
           </a:xfrm>
           <a:prstGeom prst="rect">
             <a:avLst/>
           </a:prstGeom>
         </p:spPr>
       </p:pic>
-      <p:sp>
-        <p:nvSpPr>
-          <p:cNvPr id="6" name="TextBox 5">
-            <a:extLst>
-              <a:ext uri="{FF2B5EF4-FFF2-40B4-BE49-F238E27FC236}">
-                <a16:creationId xmlns:a16="http://schemas.microsoft.com/office/drawing/2014/main" id="{7A88B84A-7FB5-4C14-8855-A10017599D03}"/>
-              </a:ext>
-            </a:extLst>
-          </p:cNvPr>
-          <p:cNvSpPr txBox="1"/>
-          <p:nvPr/>
-        </p:nvSpPr>
-        <p:spPr>
-          <a:xfrm>
-            <a:off x="0" y="-12367"/>
-            <a:ext cx="12192000" cy="307777"/>
-          </a:xfrm>
-          <a:prstGeom prst="rect">
-            <a:avLst/>
-          </a:prstGeom>
-          <a:solidFill>
-            <a:schemeClr val="tx1"/>
-          </a:solidFill>
-        </p:spPr>
-        <p:txBody>
-          <a:bodyPr wrap="square">
-            <a:spAutoFit/>
-          </a:bodyPr>
-          <a:lstStyle/>
-          <a:p>
-            <a:r>
-              <a:rPr lang="en-US" sz="1400" b="1" dirty="0">
-                <a:solidFill>
-                  <a:schemeClr val="bg1"/>
-                </a:solidFill>
-                <a:latin typeface="-apple-system"/>
-              </a:rPr>
-              <a:t>Export the New Dataset into a Manifest</a:t>
-            </a:r>
-            <a:endParaRPr lang="en-US" sz="1400" dirty="0">
-              <a:solidFill>
-                <a:schemeClr val="bg1"/>
-              </a:solidFill>
-            </a:endParaRPr>
-          </a:p>
-        </p:txBody>
-      </p:sp>
     </p:spTree>
     <p:extLst>
       <p:ext uri="{BB962C8B-B14F-4D97-AF65-F5344CB8AC3E}">
@@ -5425,7 +5425,7 @@
                 </a:solidFill>
                 <a:latin typeface="-apple-system"/>
               </a:rPr>
-              <a:t>Export the New Dataset into a Manifest</a:t>
+              <a:t>The Manifest is Stored in Console as Report</a:t>
             </a:r>
             <a:endParaRPr lang="en-US" sz="1400" dirty="0">
               <a:solidFill>
@@ -5584,7 +5584,16 @@
                 </a:solidFill>
                 <a:latin typeface="-apple-system"/>
               </a:rPr>
-              <a:t>Export the New Dataset into a Manifest</a:t>
+              <a:t>Manifest Can be </a:t>
+            </a:r>
+            <a:r>
+              <a:rPr lang="en-US" sz="1400" b="1">
+                <a:solidFill>
+                  <a:schemeClr val="bg1"/>
+                </a:solidFill>
+                <a:latin typeface="-apple-system"/>
+              </a:rPr>
+              <a:t>Downloaded Locally as CSV File</a:t>
             </a:r>
             <a:endParaRPr lang="en-US" sz="1400" dirty="0">
               <a:solidFill>
@@ -5844,7 +5853,7 @@
                 <a:effectLst/>
                 <a:latin typeface="-apple-system"/>
               </a:rPr>
-              <a:t>Search for Dataset using Query Builder</a:t>
+              <a:t>Search for Dataset using SQL Query from Query Builder</a:t>
             </a:r>
             <a:endParaRPr lang="en-US" sz="1400" dirty="0">
               <a:solidFill>
@@ -5988,7 +5997,7 @@
         </p:blipFill>
         <p:spPr>
           <a:xfrm>
-            <a:off x="0" y="618585"/>
+            <a:off x="0" y="628110"/>
             <a:ext cx="12192000" cy="6092169"/>
           </a:xfrm>
           <a:prstGeom prst="rect">
@@ -6034,7 +6043,7 @@
                 <a:effectLst/>
                 <a:latin typeface="-apple-system"/>
               </a:rPr>
-              <a:t>Search for Dataset using Query Builder: Results</a:t>
+              <a:t>Query Results Displayed</a:t>
             </a:r>
             <a:endParaRPr lang="en-US" sz="1400" dirty="0">
               <a:solidFill>
@@ -6341,16 +6350,6 @@
           <a:lstStyle/>
           <a:p>
             <a:r>
-              <a:rPr lang="en-US" sz="1400" b="1" i="0" dirty="0">
-                <a:solidFill>
-                  <a:schemeClr val="bg1"/>
-                </a:solidFill>
-                <a:effectLst/>
-                <a:latin typeface="-apple-system"/>
-              </a:rPr>
-              <a:t>Create </a:t>
-            </a:r>
-            <a:r>
               <a:rPr lang="en-US" sz="1400" b="1" i="0" dirty="0" err="1">
                 <a:solidFill>
                   <a:schemeClr val="bg1"/>
@@ -6368,7 +6367,7 @@
                 <a:effectLst/>
                 <a:latin typeface="-apple-system"/>
               </a:rPr>
-              <a:t> Policy: Result</a:t>
+              <a:t> Policy Added to Spectrum Discover Console</a:t>
             </a:r>
             <a:endParaRPr lang="en-US" sz="1400" dirty="0">
               <a:solidFill>
@@ -6551,34 +6550,31 @@
           <a:lstStyle/>
           <a:p>
             <a:r>
-              <a:rPr lang="en-US" sz="1400" b="1" i="0" dirty="0">
+              <a:rPr lang="en-US" sz="1400" b="1" dirty="0">
                 <a:solidFill>
                   <a:schemeClr val="bg1"/>
                 </a:solidFill>
-                <a:effectLst/>
                 <a:latin typeface="-apple-system"/>
               </a:rPr>
-              <a:t>Create </a:t>
-            </a:r>
-            <a:r>
-              <a:rPr lang="en-US" sz="1400" b="1" i="0" dirty="0" err="1">
+              <a:t>Newly Created </a:t>
+            </a:r>
+            <a:r>
+              <a:rPr lang="en-US" sz="1400" b="1" dirty="0" err="1">
                 <a:solidFill>
                   <a:schemeClr val="bg1"/>
                 </a:solidFill>
-                <a:effectLst/>
                 <a:latin typeface="-apple-system"/>
               </a:rPr>
               <a:t>AutoTag</a:t>
             </a:r>
             <a:r>
-              <a:rPr lang="en-US" sz="1400" b="1" i="0" dirty="0">
+              <a:rPr lang="en-US" sz="1400" b="1" dirty="0">
                 <a:solidFill>
                   <a:schemeClr val="bg1"/>
                 </a:solidFill>
-                <a:effectLst/>
                 <a:latin typeface="-apple-system"/>
               </a:rPr>
-              <a:t> Policy: Result</a:t>
+              <a:t> Policy Executed Automatically for First Time</a:t>
             </a:r>
             <a:endParaRPr lang="en-US" sz="1400" dirty="0">
               <a:solidFill>
@@ -6701,34 +6697,31 @@
           <a:lstStyle/>
           <a:p>
             <a:r>
-              <a:rPr lang="en-US" sz="1400" b="1" i="0" dirty="0">
+              <a:rPr lang="en-US" sz="1400" b="1" dirty="0">
                 <a:solidFill>
                   <a:schemeClr val="bg1"/>
                 </a:solidFill>
-                <a:effectLst/>
                 <a:latin typeface="-apple-system"/>
               </a:rPr>
-              <a:t>Create </a:t>
-            </a:r>
-            <a:r>
-              <a:rPr lang="en-US" sz="1400" b="1" i="0" dirty="0" err="1">
+              <a:t>Metadata Tag “u2-source” Populated with Values Extracted by </a:t>
+            </a:r>
+            <a:r>
+              <a:rPr lang="en-US" sz="1400" b="1" dirty="0" err="1">
                 <a:solidFill>
                   <a:schemeClr val="bg1"/>
                 </a:solidFill>
-                <a:effectLst/>
                 <a:latin typeface="-apple-system"/>
               </a:rPr>
               <a:t>AutoTag</a:t>
             </a:r>
             <a:r>
-              <a:rPr lang="en-US" sz="1400" b="1" i="0" dirty="0">
+              <a:rPr lang="en-US" sz="1400" b="1" dirty="0">
                 <a:solidFill>
                   <a:schemeClr val="bg1"/>
                 </a:solidFill>
-                <a:effectLst/>
                 <a:latin typeface="-apple-system"/>
               </a:rPr>
-              <a:t> Policy: Result</a:t>
+              <a:t> Policy Run</a:t>
             </a:r>
             <a:endParaRPr lang="en-US" sz="1400" dirty="0">
               <a:solidFill>
